--- a/flash1.pptx
+++ b/flash1.pptx
@@ -1,30 +1,34 @@
 
 <file path=ppt/presentation.xml><?xml version="1.0" encoding="utf-8"?>
-<p:presentation xmlns:p="http://schemas.openxmlformats.org/presentationml/2006/main" xmlns:r="http://schemas.openxmlformats.org/officeDocument/2006/relationships" xmlns:a="http://schemas.openxmlformats.org/drawingml/2006/main" saveSubsetFonts="1">
+<p:presentation xmlns:a="http://schemas.openxmlformats.org/drawingml/2006/main" xmlns:r="http://schemas.openxmlformats.org/officeDocument/2006/relationships" xmlns:p="http://schemas.openxmlformats.org/presentationml/2006/main" saveSubsetFonts="1">
   <p:sldMasterIdLst>
     <p:sldMasterId id="2147483648" r:id="rId1"/>
   </p:sldMasterIdLst>
   <p:notesMasterIdLst>
-    <p:notesMasterId r:id="rId2"/>
+    <p:notesMasterId r:id="rId15"/>
   </p:notesMasterIdLst>
   <p:sldIdLst>
-    <p:sldId id="257" r:id="rId3"/>
-    <p:sldId id="258" r:id="rId4"/>
-    <p:sldId id="259" r:id="rId5"/>
-    <p:sldId id="260" r:id="rId6"/>
-    <p:sldId id="261" r:id="rId7"/>
-    <p:sldId id="262" r:id="rId8"/>
-    <p:sldId id="263" r:id="rId9"/>
-    <p:sldId id="264" r:id="rId10"/>
-    <p:sldId id="265" r:id="rId11"/>
+    <p:sldId id="257" r:id="rId2"/>
+    <p:sldId id="258" r:id="rId3"/>
+    <p:sldId id="259" r:id="rId4"/>
+    <p:sldId id="260" r:id="rId5"/>
+    <p:sldId id="261" r:id="rId6"/>
+    <p:sldId id="262" r:id="rId7"/>
+    <p:sldId id="263" r:id="rId8"/>
+    <p:sldId id="264" r:id="rId9"/>
+    <p:sldId id="265" r:id="rId10"/>
+    <p:sldId id="266" r:id="rId11"/>
+    <p:sldId id="267" r:id="rId12"/>
+    <p:sldId id="268" r:id="rId13"/>
+    <p:sldId id="269" r:id="rId14"/>
   </p:sldIdLst>
-  <p:sldSz type="screen4x3" cy="6858000" cx="9144000"/>
+  <p:sldSz cx="9144000" cy="6858000" type="screen4x3"/>
   <p:notesSz cx="6858000" cy="9144000"/>
   <p:defaultTextStyle>
     <a:defPPr>
       <a:defRPr lang="zh-CN"/>
     </a:defPPr>
-    <a:lvl1pPr algn="l" defTabSz="914400" eaLnBrk="1" hangingPunct="1" latinLnBrk="0" marL="0" rtl="0">
+    <a:lvl1pPr marL="0" algn="l" defTabSz="914400" rtl="0" eaLnBrk="1" latinLnBrk="0" hangingPunct="1">
       <a:defRPr sz="1800" kern="1200">
         <a:solidFill>
           <a:schemeClr val="tx1"/>
@@ -34,7 +38,7 @@
         <a:cs typeface="+mn-cs"/>
       </a:defRPr>
     </a:lvl1pPr>
-    <a:lvl2pPr algn="l" defTabSz="914400" eaLnBrk="1" hangingPunct="1" latinLnBrk="0" marL="457200" rtl="0">
+    <a:lvl2pPr marL="457200" algn="l" defTabSz="914400" rtl="0" eaLnBrk="1" latinLnBrk="0" hangingPunct="1">
       <a:defRPr sz="1800" kern="1200">
         <a:solidFill>
           <a:schemeClr val="tx1"/>
@@ -44,7 +48,7 @@
         <a:cs typeface="+mn-cs"/>
       </a:defRPr>
     </a:lvl2pPr>
-    <a:lvl3pPr algn="l" defTabSz="914400" eaLnBrk="1" hangingPunct="1" latinLnBrk="0" marL="914400" rtl="0">
+    <a:lvl3pPr marL="914400" algn="l" defTabSz="914400" rtl="0" eaLnBrk="1" latinLnBrk="0" hangingPunct="1">
       <a:defRPr sz="1800" kern="1200">
         <a:solidFill>
           <a:schemeClr val="tx1"/>
@@ -54,7 +58,7 @@
         <a:cs typeface="+mn-cs"/>
       </a:defRPr>
     </a:lvl3pPr>
-    <a:lvl4pPr algn="l" defTabSz="914400" eaLnBrk="1" hangingPunct="1" latinLnBrk="0" marL="1371600" rtl="0">
+    <a:lvl4pPr marL="1371600" algn="l" defTabSz="914400" rtl="0" eaLnBrk="1" latinLnBrk="0" hangingPunct="1">
       <a:defRPr sz="1800" kern="1200">
         <a:solidFill>
           <a:schemeClr val="tx1"/>
@@ -64,7 +68,7 @@
         <a:cs typeface="+mn-cs"/>
       </a:defRPr>
     </a:lvl4pPr>
-    <a:lvl5pPr algn="l" defTabSz="914400" eaLnBrk="1" hangingPunct="1" latinLnBrk="0" marL="1828800" rtl="0">
+    <a:lvl5pPr marL="1828800" algn="l" defTabSz="914400" rtl="0" eaLnBrk="1" latinLnBrk="0" hangingPunct="1">
       <a:defRPr sz="1800" kern="1200">
         <a:solidFill>
           <a:schemeClr val="tx1"/>
@@ -74,7 +78,7 @@
         <a:cs typeface="+mn-cs"/>
       </a:defRPr>
     </a:lvl5pPr>
-    <a:lvl6pPr algn="l" defTabSz="914400" eaLnBrk="1" hangingPunct="1" latinLnBrk="0" marL="2286000" rtl="0">
+    <a:lvl6pPr marL="2286000" algn="l" defTabSz="914400" rtl="0" eaLnBrk="1" latinLnBrk="0" hangingPunct="1">
       <a:defRPr sz="1800" kern="1200">
         <a:solidFill>
           <a:schemeClr val="tx1"/>
@@ -84,7 +88,7 @@
         <a:cs typeface="+mn-cs"/>
       </a:defRPr>
     </a:lvl6pPr>
-    <a:lvl7pPr algn="l" defTabSz="914400" eaLnBrk="1" hangingPunct="1" latinLnBrk="0" marL="2743200" rtl="0">
+    <a:lvl7pPr marL="2743200" algn="l" defTabSz="914400" rtl="0" eaLnBrk="1" latinLnBrk="0" hangingPunct="1">
       <a:defRPr sz="1800" kern="1200">
         <a:solidFill>
           <a:schemeClr val="tx1"/>
@@ -94,7 +98,7 @@
         <a:cs typeface="+mn-cs"/>
       </a:defRPr>
     </a:lvl7pPr>
-    <a:lvl8pPr algn="l" defTabSz="914400" eaLnBrk="1" hangingPunct="1" latinLnBrk="0" marL="3200400" rtl="0">
+    <a:lvl8pPr marL="3200400" algn="l" defTabSz="914400" rtl="0" eaLnBrk="1" latinLnBrk="0" hangingPunct="1">
       <a:defRPr sz="1800" kern="1200">
         <a:solidFill>
           <a:schemeClr val="tx1"/>
@@ -104,7 +108,7 @@
         <a:cs typeface="+mn-cs"/>
       </a:defRPr>
     </a:lvl8pPr>
-    <a:lvl9pPr algn="l" defTabSz="914400" eaLnBrk="1" hangingPunct="1" latinLnBrk="0" marL="3657600" rtl="0">
+    <a:lvl9pPr marL="3657600" algn="l" defTabSz="914400" rtl="0" eaLnBrk="1" latinLnBrk="0" hangingPunct="1">
       <a:defRPr sz="1800" kern="1200">
         <a:solidFill>
           <a:schemeClr val="tx1"/>
@@ -126,11 +130,12 @@
         <a:solidFill>
           <a:schemeClr val="bg1"/>
         </a:solidFill>
+        <a:effectLst/>
       </p:bgPr>
     </p:bg>
     <p:spTree>
       <p:nvGrpSpPr>
-        <p:cNvPr id="43" name=""/>
+        <p:cNvPr id="1" name=""/>
         <p:cNvGrpSpPr/>
         <p:nvPr/>
       </p:nvGrpSpPr>
@@ -157,7 +162,9 @@
             <a:off x="2" y="1"/>
             <a:ext cx="3076575" cy="512763"/>
           </a:xfrm>
-          <a:prstGeom prst="rect"/>
+          <a:prstGeom prst="rect">
+            <a:avLst/>
+          </a:prstGeom>
           <a:noFill/>
           <a:ln w="9525">
             <a:noFill/>
@@ -168,8 +175,10 @@
           <a:effectLst/>
         </p:spPr>
         <p:txBody>
-          <a:bodyPr anchor="t" anchorCtr="0" bIns="45745" compatLnSpc="1" lIns="91492" numCol="1" rIns="91492" tIns="45745" vert="horz" wrap="square">
-            <a:prstTxWarp prst="textNoShape"/>
+          <a:bodyPr vert="horz" wrap="square" lIns="91492" tIns="45745" rIns="91492" bIns="45745" numCol="1" anchor="t" anchorCtr="0" compatLnSpc="1">
+            <a:prstTxWarp prst="textNoShape">
+              <a:avLst/>
+            </a:prstTxWarp>
           </a:bodyPr>
           <a:lstStyle>
             <a:lvl1pPr algn="l">
@@ -196,7 +205,9 @@
             <a:off x="4021139" y="1"/>
             <a:ext cx="3076575" cy="512763"/>
           </a:xfrm>
-          <a:prstGeom prst="rect"/>
+          <a:prstGeom prst="rect">
+            <a:avLst/>
+          </a:prstGeom>
           <a:noFill/>
           <a:ln w="9525">
             <a:noFill/>
@@ -207,8 +218,10 @@
           <a:effectLst/>
         </p:spPr>
         <p:txBody>
-          <a:bodyPr anchor="t" anchorCtr="0" bIns="45745" compatLnSpc="1" lIns="91492" numCol="1" rIns="91492" tIns="45745" vert="horz" wrap="square">
-            <a:prstTxWarp prst="textNoShape"/>
+          <a:bodyPr vert="horz" wrap="square" lIns="91492" tIns="45745" rIns="91492" bIns="45745" numCol="1" anchor="t" anchorCtr="0" compatLnSpc="1">
+            <a:prstTxWarp prst="textNoShape">
+              <a:avLst/>
+            </a:prstTxWarp>
           </a:bodyPr>
           <a:lstStyle>
             <a:lvl1pPr algn="r">
@@ -224,7 +237,7 @@
         <p:nvSpPr>
           <p:cNvPr id="1048659" name="Rectangle 4"/>
           <p:cNvSpPr>
-            <a:spLocks noChangeAspect="1" noRot="1" noGrp="1" noChangeArrowheads="1" noTextEdit="1"/>
+            <a:spLocks noGrp="1" noRot="1" noChangeAspect="1" noChangeArrowheads="1" noTextEdit="1"/>
           </p:cNvSpPr>
           <p:nvPr>
             <p:ph type="sldImg" idx="2"/>
@@ -235,7 +248,9 @@
             <a:off x="990600" y="766763"/>
             <a:ext cx="5118100" cy="3838575"/>
           </a:xfrm>
-          <a:prstGeom prst="rect"/>
+          <a:prstGeom prst="rect">
+            <a:avLst/>
+          </a:prstGeom>
           <a:noFill/>
           <a:ln w="9525">
             <a:solidFill>
@@ -263,7 +278,9 @@
             <a:off x="709614" y="4862514"/>
             <a:ext cx="5680075" cy="4605337"/>
           </a:xfrm>
-          <a:prstGeom prst="rect"/>
+          <a:prstGeom prst="rect">
+            <a:avLst/>
+          </a:prstGeom>
           <a:noFill/>
           <a:ln w="9525">
             <a:noFill/>
@@ -274,9 +291,12 @@
           <a:effectLst/>
         </p:spPr>
         <p:txBody>
-          <a:bodyPr anchor="t" anchorCtr="0" bIns="45745" compatLnSpc="1" lIns="91492" numCol="1" rIns="91492" tIns="45745" vert="horz" wrap="square">
-            <a:prstTxWarp prst="textNoShape"/>
+          <a:bodyPr vert="horz" wrap="square" lIns="91492" tIns="45745" rIns="91492" bIns="45745" numCol="1" anchor="t" anchorCtr="0" compatLnSpc="1">
+            <a:prstTxWarp prst="textNoShape">
+              <a:avLst/>
+            </a:prstTxWarp>
           </a:bodyPr>
+          <a:lstStyle/>
           <a:p>
             <a:pPr lvl="0"/>
             <a:r>
@@ -329,7 +349,9 @@
             <a:off x="2" y="9720264"/>
             <a:ext cx="3076575" cy="512762"/>
           </a:xfrm>
-          <a:prstGeom prst="rect"/>
+          <a:prstGeom prst="rect">
+            <a:avLst/>
+          </a:prstGeom>
           <a:noFill/>
           <a:ln w="9525">
             <a:noFill/>
@@ -340,8 +362,10 @@
           <a:effectLst/>
         </p:spPr>
         <p:txBody>
-          <a:bodyPr anchor="b" anchorCtr="0" bIns="45745" compatLnSpc="1" lIns="91492" numCol="1" rIns="91492" tIns="45745" vert="horz" wrap="square">
-            <a:prstTxWarp prst="textNoShape"/>
+          <a:bodyPr vert="horz" wrap="square" lIns="91492" tIns="45745" rIns="91492" bIns="45745" numCol="1" anchor="b" anchorCtr="0" compatLnSpc="1">
+            <a:prstTxWarp prst="textNoShape">
+              <a:avLst/>
+            </a:prstTxWarp>
           </a:bodyPr>
           <a:lstStyle>
             <a:lvl1pPr algn="l">
@@ -368,7 +392,9 @@
             <a:off x="4021139" y="9720264"/>
             <a:ext cx="3076575" cy="512762"/>
           </a:xfrm>
-          <a:prstGeom prst="rect"/>
+          <a:prstGeom prst="rect">
+            <a:avLst/>
+          </a:prstGeom>
           <a:noFill/>
           <a:ln w="9525">
             <a:noFill/>
@@ -379,8 +405,10 @@
           <a:effectLst/>
         </p:spPr>
         <p:txBody>
-          <a:bodyPr anchor="b" anchorCtr="0" bIns="45745" compatLnSpc="1" lIns="91492" numCol="1" rIns="91492" tIns="45745" vert="horz" wrap="square">
-            <a:prstTxWarp prst="textNoShape"/>
+          <a:bodyPr vert="horz" wrap="square" lIns="91492" tIns="45745" rIns="91492" bIns="45745" numCol="1" anchor="b" anchorCtr="0" compatLnSpc="1">
+            <a:prstTxWarp prst="textNoShape">
+              <a:avLst/>
+            </a:prstTxWarp>
           </a:bodyPr>
           <a:lstStyle>
             <a:lvl1pPr algn="r">
@@ -390,6 +418,8 @@
           <a:p>
             <a:fld id="{A9A0EA98-5831-4853-B862-C702E6EB345C}" type="slidenum">
               <a:rPr lang="en-US"/>
+              <a:pPr/>
+              <a:t>‹#›</a:t>
             </a:fld>
             <a:endParaRPr lang="en-US"/>
           </a:p>
@@ -397,9 +427,9 @@
       </p:sp>
     </p:spTree>
   </p:cSld>
-  <p:clrMap accent1="accent1" accent2="accent2" accent3="accent3" accent4="accent4" accent5="accent5" accent6="accent6" bg1="lt1" bg2="lt2" tx1="dk1" tx2="dk2" hlink="hlink" folHlink="folHlink"/>
+  <p:clrMap bg1="lt1" tx1="dk1" bg2="lt2" tx2="dk2" accent1="accent1" accent2="accent2" accent3="accent3" accent4="accent4" accent5="accent5" accent6="accent6" hlink="hlink" folHlink="folHlink"/>
   <p:notesStyle>
-    <a:lvl1pPr algn="l" fontAlgn="base" rtl="0">
+    <a:lvl1pPr algn="l" rtl="0" fontAlgn="base">
       <a:spcBef>
         <a:spcPct val="30000"/>
       </a:spcBef>
@@ -415,7 +445,7 @@
         <a:cs typeface="+mn-cs"/>
       </a:defRPr>
     </a:lvl1pPr>
-    <a:lvl2pPr algn="l" fontAlgn="base" marL="457200" rtl="0">
+    <a:lvl2pPr marL="457200" algn="l" rtl="0" fontAlgn="base">
       <a:spcBef>
         <a:spcPct val="30000"/>
       </a:spcBef>
@@ -431,7 +461,7 @@
         <a:cs typeface="+mn-cs"/>
       </a:defRPr>
     </a:lvl2pPr>
-    <a:lvl3pPr algn="l" fontAlgn="base" marL="914400" rtl="0">
+    <a:lvl3pPr marL="914400" algn="l" rtl="0" fontAlgn="base">
       <a:spcBef>
         <a:spcPct val="30000"/>
       </a:spcBef>
@@ -447,7 +477,7 @@
         <a:cs typeface="+mn-cs"/>
       </a:defRPr>
     </a:lvl3pPr>
-    <a:lvl4pPr algn="l" fontAlgn="base" marL="1371600" rtl="0">
+    <a:lvl4pPr marL="1371600" algn="l" rtl="0" fontAlgn="base">
       <a:spcBef>
         <a:spcPct val="30000"/>
       </a:spcBef>
@@ -463,7 +493,7 @@
         <a:cs typeface="+mn-cs"/>
       </a:defRPr>
     </a:lvl4pPr>
-    <a:lvl5pPr algn="l" fontAlgn="base" marL="1828800" rtl="0">
+    <a:lvl5pPr marL="1828800" algn="l" rtl="0" fontAlgn="base">
       <a:spcBef>
         <a:spcPct val="30000"/>
       </a:spcBef>
@@ -479,7 +509,7 @@
         <a:cs typeface="+mn-cs"/>
       </a:defRPr>
     </a:lvl5pPr>
-    <a:lvl6pPr algn="l" defTabSz="914400" eaLnBrk="1" hangingPunct="1" latinLnBrk="0" marL="2286000" rtl="0">
+    <a:lvl6pPr marL="2286000" algn="l" defTabSz="914400" rtl="0" eaLnBrk="1" latinLnBrk="0" hangingPunct="1">
       <a:defRPr sz="1200" kern="1200">
         <a:solidFill>
           <a:schemeClr val="tx1"/>
@@ -489,7 +519,7 @@
         <a:cs typeface="+mn-cs"/>
       </a:defRPr>
     </a:lvl6pPr>
-    <a:lvl7pPr algn="l" defTabSz="914400" eaLnBrk="1" hangingPunct="1" latinLnBrk="0" marL="2743200" rtl="0">
+    <a:lvl7pPr marL="2743200" algn="l" defTabSz="914400" rtl="0" eaLnBrk="1" latinLnBrk="0" hangingPunct="1">
       <a:defRPr sz="1200" kern="1200">
         <a:solidFill>
           <a:schemeClr val="tx1"/>
@@ -499,7 +529,7 @@
         <a:cs typeface="+mn-cs"/>
       </a:defRPr>
     </a:lvl7pPr>
-    <a:lvl8pPr algn="l" defTabSz="914400" eaLnBrk="1" hangingPunct="1" latinLnBrk="0" marL="3200400" rtl="0">
+    <a:lvl8pPr marL="3200400" algn="l" defTabSz="914400" rtl="0" eaLnBrk="1" latinLnBrk="0" hangingPunct="1">
       <a:defRPr sz="1200" kern="1200">
         <a:solidFill>
           <a:schemeClr val="tx1"/>
@@ -509,7 +539,7 @@
         <a:cs typeface="+mn-cs"/>
       </a:defRPr>
     </a:lvl8pPr>
-    <a:lvl9pPr algn="l" defTabSz="914400" eaLnBrk="1" hangingPunct="1" latinLnBrk="0" marL="3657600" rtl="0">
+    <a:lvl9pPr marL="3657600" algn="l" defTabSz="914400" rtl="0" eaLnBrk="1" latinLnBrk="0" hangingPunct="1">
       <a:defRPr sz="1200" kern="1200">
         <a:solidFill>
           <a:schemeClr val="tx1"/>
@@ -524,11 +554,11 @@
 </file>
 
 <file path=ppt/slideLayouts/slideLayout1.xml><?xml version="1.0" encoding="utf-8"?>
-<p:sldLayout xmlns:a="http://schemas.openxmlformats.org/drawingml/2006/main" xmlns:r="http://schemas.openxmlformats.org/officeDocument/2006/relationships" xmlns:p="http://schemas.openxmlformats.org/presentationml/2006/main" preserve="1" type="title">
+<p:sldLayout xmlns:a="http://schemas.openxmlformats.org/drawingml/2006/main" xmlns:r="http://schemas.openxmlformats.org/officeDocument/2006/relationships" xmlns:p="http://schemas.openxmlformats.org/presentationml/2006/main" type="title" preserve="1">
   <p:cSld name="标题幻灯片">
     <p:spTree>
       <p:nvGrpSpPr>
-        <p:cNvPr id="28" name=""/>
+        <p:cNvPr id="1" name=""/>
         <p:cNvGrpSpPr/>
         <p:nvPr/>
       </p:nvGrpSpPr>
@@ -565,10 +595,10 @@
           </a:lstStyle>
           <a:p>
             <a:r>
-              <a:rPr altLang="en-US" lang="zh-CN" smtClean="0"/>
+              <a:rPr lang="zh-CN" altLang="en-US" smtClean="0"/>
               <a:t>单击此处编辑母版标题样式</a:t>
             </a:r>
-            <a:endParaRPr dirty="0" lang="en-US"/>
+            <a:endParaRPr lang="en-US" dirty="0"/>
           </a:p>
         </p:txBody>
       </p:sp>
@@ -591,49 +621,49 @@
         <p:txBody>
           <a:bodyPr/>
           <a:lstStyle>
-            <a:lvl1pPr algn="ctr" indent="0" marL="0">
+            <a:lvl1pPr marL="0" indent="0" algn="ctr">
               <a:buNone/>
               <a:defRPr sz="2400"/>
             </a:lvl1pPr>
-            <a:lvl2pPr algn="ctr" indent="0" marL="457200">
+            <a:lvl2pPr marL="457200" indent="0" algn="ctr">
               <a:buNone/>
               <a:defRPr sz="2000"/>
             </a:lvl2pPr>
-            <a:lvl3pPr algn="ctr" indent="0" marL="914400">
+            <a:lvl3pPr marL="914400" indent="0" algn="ctr">
               <a:buNone/>
               <a:defRPr sz="1800"/>
             </a:lvl3pPr>
-            <a:lvl4pPr algn="ctr" indent="0" marL="1371600">
+            <a:lvl4pPr marL="1371600" indent="0" algn="ctr">
               <a:buNone/>
               <a:defRPr sz="1600"/>
             </a:lvl4pPr>
-            <a:lvl5pPr algn="ctr" indent="0" marL="1828800">
+            <a:lvl5pPr marL="1828800" indent="0" algn="ctr">
               <a:buNone/>
               <a:defRPr sz="1600"/>
             </a:lvl5pPr>
-            <a:lvl6pPr algn="ctr" indent="0" marL="2286000">
+            <a:lvl6pPr marL="2286000" indent="0" algn="ctr">
               <a:buNone/>
               <a:defRPr sz="1600"/>
             </a:lvl6pPr>
-            <a:lvl7pPr algn="ctr" indent="0" marL="2743200">
+            <a:lvl7pPr marL="2743200" indent="0" algn="ctr">
               <a:buNone/>
               <a:defRPr sz="1600"/>
             </a:lvl7pPr>
-            <a:lvl8pPr algn="ctr" indent="0" marL="3200400">
+            <a:lvl8pPr marL="3200400" indent="0" algn="ctr">
               <a:buNone/>
               <a:defRPr sz="1600"/>
             </a:lvl8pPr>
-            <a:lvl9pPr algn="ctr" indent="0" marL="3657600">
+            <a:lvl9pPr marL="3657600" indent="0" algn="ctr">
               <a:buNone/>
               <a:defRPr sz="1600"/>
             </a:lvl9pPr>
           </a:lstStyle>
           <a:p>
             <a:r>
-              <a:rPr altLang="en-US" lang="zh-CN" smtClean="0"/>
+              <a:rPr lang="zh-CN" altLang="en-US" smtClean="0"/>
               <a:t>单击此处编辑母版副标题样式</a:t>
             </a:r>
-            <a:endParaRPr dirty="0" lang="en-US"/>
+            <a:endParaRPr lang="en-US" dirty="0"/>
           </a:p>
         </p:txBody>
       </p:sp>
@@ -650,11 +680,14 @@
         <p:spPr/>
         <p:txBody>
           <a:bodyPr/>
+          <a:lstStyle/>
           <a:p>
             <a:fld id="{E335F522-6256-461E-A79F-4037A6D0C8F9}" type="datetimeFigureOut">
-              <a:rPr altLang="en-US" lang="zh-CN" smtClean="0"/>
+              <a:rPr lang="zh-CN" altLang="en-US" smtClean="0"/>
+              <a:pPr/>
+              <a:t>2017-04-22</a:t>
             </a:fld>
-            <a:endParaRPr altLang="en-US" lang="zh-CN"/>
+            <a:endParaRPr lang="zh-CN" altLang="en-US"/>
           </a:p>
         </p:txBody>
       </p:sp>
@@ -671,8 +704,9 @@
         <p:spPr/>
         <p:txBody>
           <a:bodyPr/>
-          <a:p>
-            <a:endParaRPr altLang="en-US" lang="zh-CN"/>
+          <a:lstStyle/>
+          <a:p>
+            <a:endParaRPr lang="zh-CN" altLang="en-US"/>
           </a:p>
         </p:txBody>
       </p:sp>
@@ -689,11 +723,14 @@
         <p:spPr/>
         <p:txBody>
           <a:bodyPr/>
+          <a:lstStyle/>
           <a:p>
             <a:fld id="{1C1A564D-84E6-4D0E-9D2B-1519760DAFCC}" type="slidenum">
-              <a:rPr altLang="en-US" lang="zh-CN" smtClean="0"/>
+              <a:rPr lang="zh-CN" altLang="en-US" smtClean="0"/>
+              <a:pPr/>
+              <a:t>‹#›</a:t>
             </a:fld>
-            <a:endParaRPr altLang="en-US" lang="zh-CN"/>
+            <a:endParaRPr lang="zh-CN" altLang="en-US"/>
           </a:p>
         </p:txBody>
       </p:sp>
@@ -706,11 +743,11 @@
 </file>
 
 <file path=ppt/slideLayouts/slideLayout10.xml><?xml version="1.0" encoding="utf-8"?>
-<p:sldLayout xmlns:a="http://schemas.openxmlformats.org/drawingml/2006/main" xmlns:r="http://schemas.openxmlformats.org/officeDocument/2006/relationships" xmlns:p="http://schemas.openxmlformats.org/presentationml/2006/main" preserve="1" type="vertTx">
+<p:sldLayout xmlns:a="http://schemas.openxmlformats.org/drawingml/2006/main" xmlns:r="http://schemas.openxmlformats.org/officeDocument/2006/relationships" xmlns:p="http://schemas.openxmlformats.org/presentationml/2006/main" type="vertTx" preserve="1">
   <p:cSld name="标题和竖排文字">
     <p:spTree>
       <p:nvGrpSpPr>
-        <p:cNvPr id="41" name=""/>
+        <p:cNvPr id="1" name=""/>
         <p:cNvGrpSpPr/>
         <p:nvPr/>
       </p:nvGrpSpPr>
@@ -735,12 +772,13 @@
         <p:spPr/>
         <p:txBody>
           <a:bodyPr/>
-          <a:p>
-            <a:r>
-              <a:rPr altLang="en-US" lang="zh-CN" smtClean="0"/>
+          <a:lstStyle/>
+          <a:p>
+            <a:r>
+              <a:rPr lang="zh-CN" altLang="en-US" smtClean="0"/>
               <a:t>单击此处编辑母版标题样式</a:t>
             </a:r>
-            <a:endParaRPr dirty="0" lang="en-US"/>
+            <a:endParaRPr lang="en-US" dirty="0"/>
           </a:p>
         </p:txBody>
       </p:sp>
@@ -757,41 +795,42 @@
         <p:spPr/>
         <p:txBody>
           <a:bodyPr vert="eaVert"/>
+          <a:lstStyle/>
           <a:p>
             <a:pPr lvl="0"/>
             <a:r>
-              <a:rPr altLang="en-US" lang="zh-CN" smtClean="0"/>
+              <a:rPr lang="zh-CN" altLang="en-US" smtClean="0"/>
               <a:t>单击此处编辑母版文本样式</a:t>
             </a:r>
           </a:p>
           <a:p>
             <a:pPr lvl="1"/>
             <a:r>
-              <a:rPr altLang="en-US" lang="zh-CN" smtClean="0"/>
+              <a:rPr lang="zh-CN" altLang="en-US" smtClean="0"/>
               <a:t>第二级</a:t>
             </a:r>
           </a:p>
           <a:p>
             <a:pPr lvl="2"/>
             <a:r>
-              <a:rPr altLang="en-US" lang="zh-CN" smtClean="0"/>
+              <a:rPr lang="zh-CN" altLang="en-US" smtClean="0"/>
               <a:t>第三级</a:t>
             </a:r>
           </a:p>
           <a:p>
             <a:pPr lvl="3"/>
             <a:r>
-              <a:rPr altLang="en-US" lang="zh-CN" smtClean="0"/>
+              <a:rPr lang="zh-CN" altLang="en-US" smtClean="0"/>
               <a:t>第四级</a:t>
             </a:r>
           </a:p>
           <a:p>
             <a:pPr lvl="4"/>
             <a:r>
-              <a:rPr altLang="en-US" lang="zh-CN" smtClean="0"/>
+              <a:rPr lang="zh-CN" altLang="en-US" smtClean="0"/>
               <a:t>第五级</a:t>
             </a:r>
-            <a:endParaRPr dirty="0" lang="en-US"/>
+            <a:endParaRPr lang="en-US" dirty="0"/>
           </a:p>
         </p:txBody>
       </p:sp>
@@ -808,11 +847,14 @@
         <p:spPr/>
         <p:txBody>
           <a:bodyPr/>
+          <a:lstStyle/>
           <a:p>
             <a:fld id="{E335F522-6256-461E-A79F-4037A6D0C8F9}" type="datetimeFigureOut">
-              <a:rPr altLang="en-US" lang="zh-CN" smtClean="0"/>
+              <a:rPr lang="zh-CN" altLang="en-US" smtClean="0"/>
+              <a:pPr/>
+              <a:t>2017-04-22</a:t>
             </a:fld>
-            <a:endParaRPr altLang="en-US" lang="zh-CN"/>
+            <a:endParaRPr lang="zh-CN" altLang="en-US"/>
           </a:p>
         </p:txBody>
       </p:sp>
@@ -829,8 +871,9 @@
         <p:spPr/>
         <p:txBody>
           <a:bodyPr/>
-          <a:p>
-            <a:endParaRPr altLang="en-US" lang="zh-CN"/>
+          <a:lstStyle/>
+          <a:p>
+            <a:endParaRPr lang="zh-CN" altLang="en-US"/>
           </a:p>
         </p:txBody>
       </p:sp>
@@ -847,11 +890,14 @@
         <p:spPr/>
         <p:txBody>
           <a:bodyPr/>
+          <a:lstStyle/>
           <a:p>
             <a:fld id="{1C1A564D-84E6-4D0E-9D2B-1519760DAFCC}" type="slidenum">
-              <a:rPr altLang="en-US" lang="zh-CN" smtClean="0"/>
+              <a:rPr lang="zh-CN" altLang="en-US" smtClean="0"/>
+              <a:pPr/>
+              <a:t>‹#›</a:t>
             </a:fld>
-            <a:endParaRPr altLang="en-US" lang="zh-CN"/>
+            <a:endParaRPr lang="zh-CN" altLang="en-US"/>
           </a:p>
         </p:txBody>
       </p:sp>
@@ -864,11 +910,11 @@
 </file>
 
 <file path=ppt/slideLayouts/slideLayout11.xml><?xml version="1.0" encoding="utf-8"?>
-<p:sldLayout xmlns:a="http://schemas.openxmlformats.org/drawingml/2006/main" xmlns:r="http://schemas.openxmlformats.org/officeDocument/2006/relationships" xmlns:p="http://schemas.openxmlformats.org/presentationml/2006/main" preserve="1" type="vertTitleAndTx">
+<p:sldLayout xmlns:a="http://schemas.openxmlformats.org/drawingml/2006/main" xmlns:r="http://schemas.openxmlformats.org/officeDocument/2006/relationships" xmlns:p="http://schemas.openxmlformats.org/presentationml/2006/main" type="vertTitleAndTx" preserve="1">
   <p:cSld name="垂直排列标题与 文本">
     <p:spTree>
       <p:nvGrpSpPr>
-        <p:cNvPr id="37" name=""/>
+        <p:cNvPr id="1" name=""/>
         <p:cNvGrpSpPr/>
         <p:nvPr/>
       </p:nvGrpSpPr>
@@ -898,12 +944,13 @@
         </p:spPr>
         <p:txBody>
           <a:bodyPr vert="eaVert"/>
-          <a:p>
-            <a:r>
-              <a:rPr altLang="en-US" lang="zh-CN" smtClean="0"/>
+          <a:lstStyle/>
+          <a:p>
+            <a:r>
+              <a:rPr lang="zh-CN" altLang="en-US" smtClean="0"/>
               <a:t>单击此处编辑母版标题样式</a:t>
             </a:r>
-            <a:endParaRPr dirty="0" lang="en-US"/>
+            <a:endParaRPr lang="en-US" dirty="0"/>
           </a:p>
         </p:txBody>
       </p:sp>
@@ -925,41 +972,42 @@
         </p:spPr>
         <p:txBody>
           <a:bodyPr vert="eaVert"/>
+          <a:lstStyle/>
           <a:p>
             <a:pPr lvl="0"/>
             <a:r>
-              <a:rPr altLang="en-US" lang="zh-CN" smtClean="0"/>
+              <a:rPr lang="zh-CN" altLang="en-US" smtClean="0"/>
               <a:t>单击此处编辑母版文本样式</a:t>
             </a:r>
           </a:p>
           <a:p>
             <a:pPr lvl="1"/>
             <a:r>
-              <a:rPr altLang="en-US" lang="zh-CN" smtClean="0"/>
+              <a:rPr lang="zh-CN" altLang="en-US" smtClean="0"/>
               <a:t>第二级</a:t>
             </a:r>
           </a:p>
           <a:p>
             <a:pPr lvl="2"/>
             <a:r>
-              <a:rPr altLang="en-US" lang="zh-CN" smtClean="0"/>
+              <a:rPr lang="zh-CN" altLang="en-US" smtClean="0"/>
               <a:t>第三级</a:t>
             </a:r>
           </a:p>
           <a:p>
             <a:pPr lvl="3"/>
             <a:r>
-              <a:rPr altLang="en-US" lang="zh-CN" smtClean="0"/>
+              <a:rPr lang="zh-CN" altLang="en-US" smtClean="0"/>
               <a:t>第四级</a:t>
             </a:r>
           </a:p>
           <a:p>
             <a:pPr lvl="4"/>
             <a:r>
-              <a:rPr altLang="en-US" lang="zh-CN" smtClean="0"/>
+              <a:rPr lang="zh-CN" altLang="en-US" smtClean="0"/>
               <a:t>第五级</a:t>
             </a:r>
-            <a:endParaRPr dirty="0" lang="en-US"/>
+            <a:endParaRPr lang="en-US" dirty="0"/>
           </a:p>
         </p:txBody>
       </p:sp>
@@ -976,11 +1024,14 @@
         <p:spPr/>
         <p:txBody>
           <a:bodyPr/>
+          <a:lstStyle/>
           <a:p>
             <a:fld id="{E335F522-6256-461E-A79F-4037A6D0C8F9}" type="datetimeFigureOut">
-              <a:rPr altLang="en-US" lang="zh-CN" smtClean="0"/>
+              <a:rPr lang="zh-CN" altLang="en-US" smtClean="0"/>
+              <a:pPr/>
+              <a:t>2017-04-22</a:t>
             </a:fld>
-            <a:endParaRPr altLang="en-US" lang="zh-CN"/>
+            <a:endParaRPr lang="zh-CN" altLang="en-US"/>
           </a:p>
         </p:txBody>
       </p:sp>
@@ -997,8 +1048,9 @@
         <p:spPr/>
         <p:txBody>
           <a:bodyPr/>
-          <a:p>
-            <a:endParaRPr altLang="en-US" lang="zh-CN"/>
+          <a:lstStyle/>
+          <a:p>
+            <a:endParaRPr lang="zh-CN" altLang="en-US"/>
           </a:p>
         </p:txBody>
       </p:sp>
@@ -1015,11 +1067,14 @@
         <p:spPr/>
         <p:txBody>
           <a:bodyPr/>
+          <a:lstStyle/>
           <a:p>
             <a:fld id="{1C1A564D-84E6-4D0E-9D2B-1519760DAFCC}" type="slidenum">
-              <a:rPr altLang="en-US" lang="zh-CN" smtClean="0"/>
+              <a:rPr lang="zh-CN" altLang="en-US" smtClean="0"/>
+              <a:pPr/>
+              <a:t>‹#›</a:t>
             </a:fld>
-            <a:endParaRPr altLang="en-US" lang="zh-CN"/>
+            <a:endParaRPr lang="zh-CN" altLang="en-US"/>
           </a:p>
         </p:txBody>
       </p:sp>
@@ -1032,11 +1087,11 @@
 </file>
 
 <file path=ppt/slideLayouts/slideLayout2.xml><?xml version="1.0" encoding="utf-8"?>
-<p:sldLayout xmlns:a="http://schemas.openxmlformats.org/drawingml/2006/main" xmlns:r="http://schemas.openxmlformats.org/officeDocument/2006/relationships" xmlns:p="http://schemas.openxmlformats.org/presentationml/2006/main" preserve="1" type="obj">
+<p:sldLayout xmlns:a="http://schemas.openxmlformats.org/drawingml/2006/main" xmlns:r="http://schemas.openxmlformats.org/officeDocument/2006/relationships" xmlns:p="http://schemas.openxmlformats.org/presentationml/2006/main" type="obj" preserve="1">
   <p:cSld name="标题和内容">
     <p:spTree>
       <p:nvGrpSpPr>
-        <p:cNvPr id="23" name=""/>
+        <p:cNvPr id="1" name=""/>
         <p:cNvGrpSpPr/>
         <p:nvPr/>
       </p:nvGrpSpPr>
@@ -1061,12 +1116,13 @@
         <p:spPr/>
         <p:txBody>
           <a:bodyPr/>
-          <a:p>
-            <a:r>
-              <a:rPr altLang="en-US" lang="zh-CN" smtClean="0"/>
+          <a:lstStyle/>
+          <a:p>
+            <a:r>
+              <a:rPr lang="zh-CN" altLang="en-US" smtClean="0"/>
               <a:t>单击此处编辑母版标题样式</a:t>
             </a:r>
-            <a:endParaRPr dirty="0" lang="en-US"/>
+            <a:endParaRPr lang="en-US" dirty="0"/>
           </a:p>
         </p:txBody>
       </p:sp>
@@ -1083,41 +1139,42 @@
         <p:spPr/>
         <p:txBody>
           <a:bodyPr/>
+          <a:lstStyle/>
           <a:p>
             <a:pPr lvl="0"/>
             <a:r>
-              <a:rPr altLang="en-US" lang="zh-CN" smtClean="0"/>
+              <a:rPr lang="zh-CN" altLang="en-US" smtClean="0"/>
               <a:t>单击此处编辑母版文本样式</a:t>
             </a:r>
           </a:p>
           <a:p>
             <a:pPr lvl="1"/>
             <a:r>
-              <a:rPr altLang="en-US" lang="zh-CN" smtClean="0"/>
+              <a:rPr lang="zh-CN" altLang="en-US" smtClean="0"/>
               <a:t>第二级</a:t>
             </a:r>
           </a:p>
           <a:p>
             <a:pPr lvl="2"/>
             <a:r>
-              <a:rPr altLang="en-US" lang="zh-CN" smtClean="0"/>
+              <a:rPr lang="zh-CN" altLang="en-US" smtClean="0"/>
               <a:t>第三级</a:t>
             </a:r>
           </a:p>
           <a:p>
             <a:pPr lvl="3"/>
             <a:r>
-              <a:rPr altLang="en-US" lang="zh-CN" smtClean="0"/>
+              <a:rPr lang="zh-CN" altLang="en-US" smtClean="0"/>
               <a:t>第四级</a:t>
             </a:r>
           </a:p>
           <a:p>
             <a:pPr lvl="4"/>
             <a:r>
-              <a:rPr altLang="en-US" lang="zh-CN" smtClean="0"/>
+              <a:rPr lang="zh-CN" altLang="en-US" smtClean="0"/>
               <a:t>第五级</a:t>
             </a:r>
-            <a:endParaRPr dirty="0" lang="en-US"/>
+            <a:endParaRPr lang="en-US" dirty="0"/>
           </a:p>
         </p:txBody>
       </p:sp>
@@ -1134,11 +1191,14 @@
         <p:spPr/>
         <p:txBody>
           <a:bodyPr/>
+          <a:lstStyle/>
           <a:p>
             <a:fld id="{E335F522-6256-461E-A79F-4037A6D0C8F9}" type="datetimeFigureOut">
-              <a:rPr altLang="en-US" lang="zh-CN" smtClean="0"/>
+              <a:rPr lang="zh-CN" altLang="en-US" smtClean="0"/>
+              <a:pPr/>
+              <a:t>2017-04-22</a:t>
             </a:fld>
-            <a:endParaRPr altLang="en-US" lang="zh-CN"/>
+            <a:endParaRPr lang="zh-CN" altLang="en-US"/>
           </a:p>
         </p:txBody>
       </p:sp>
@@ -1155,8 +1215,9 @@
         <p:spPr/>
         <p:txBody>
           <a:bodyPr/>
-          <a:p>
-            <a:endParaRPr altLang="en-US" lang="zh-CN"/>
+          <a:lstStyle/>
+          <a:p>
+            <a:endParaRPr lang="zh-CN" altLang="en-US"/>
           </a:p>
         </p:txBody>
       </p:sp>
@@ -1173,11 +1234,14 @@
         <p:spPr/>
         <p:txBody>
           <a:bodyPr/>
+          <a:lstStyle/>
           <a:p>
             <a:fld id="{1C1A564D-84E6-4D0E-9D2B-1519760DAFCC}" type="slidenum">
-              <a:rPr altLang="en-US" lang="zh-CN" smtClean="0"/>
+              <a:rPr lang="zh-CN" altLang="en-US" smtClean="0"/>
+              <a:pPr/>
+              <a:t>‹#›</a:t>
             </a:fld>
-            <a:endParaRPr altLang="en-US" lang="zh-CN"/>
+            <a:endParaRPr lang="zh-CN" altLang="en-US"/>
           </a:p>
         </p:txBody>
       </p:sp>
@@ -1190,11 +1254,11 @@
 </file>
 
 <file path=ppt/slideLayouts/slideLayout3.xml><?xml version="1.0" encoding="utf-8"?>
-<p:sldLayout xmlns:a="http://schemas.openxmlformats.org/drawingml/2006/main" xmlns:r="http://schemas.openxmlformats.org/officeDocument/2006/relationships" xmlns:p="http://schemas.openxmlformats.org/presentationml/2006/main" preserve="1" type="secHead">
+<p:sldLayout xmlns:a="http://schemas.openxmlformats.org/drawingml/2006/main" xmlns:r="http://schemas.openxmlformats.org/officeDocument/2006/relationships" xmlns:p="http://schemas.openxmlformats.org/presentationml/2006/main" type="secHead" preserve="1">
   <p:cSld name="节标题">
     <p:spTree>
       <p:nvGrpSpPr>
-        <p:cNvPr id="40" name=""/>
+        <p:cNvPr id="1" name=""/>
         <p:cNvGrpSpPr/>
         <p:nvPr/>
       </p:nvGrpSpPr>
@@ -1231,10 +1295,10 @@
           </a:lstStyle>
           <a:p>
             <a:r>
-              <a:rPr altLang="en-US" lang="zh-CN" smtClean="0"/>
+              <a:rPr lang="zh-CN" altLang="en-US" smtClean="0"/>
               <a:t>单击此处编辑母版标题样式</a:t>
             </a:r>
-            <a:endParaRPr dirty="0" lang="en-US"/>
+            <a:endParaRPr lang="en-US" dirty="0"/>
           </a:p>
         </p:txBody>
       </p:sp>
@@ -1257,7 +1321,7 @@
         <p:txBody>
           <a:bodyPr/>
           <a:lstStyle>
-            <a:lvl1pPr indent="0" marL="0">
+            <a:lvl1pPr marL="0" indent="0">
               <a:buNone/>
               <a:defRPr sz="2400">
                 <a:solidFill>
@@ -1265,7 +1329,7 @@
                 </a:solidFill>
               </a:defRPr>
             </a:lvl1pPr>
-            <a:lvl2pPr indent="0" marL="457200">
+            <a:lvl2pPr marL="457200" indent="0">
               <a:buNone/>
               <a:defRPr sz="2000">
                 <a:solidFill>
@@ -1275,7 +1339,7 @@
                 </a:solidFill>
               </a:defRPr>
             </a:lvl2pPr>
-            <a:lvl3pPr indent="0" marL="914400">
+            <a:lvl3pPr marL="914400" indent="0">
               <a:buNone/>
               <a:defRPr sz="1800">
                 <a:solidFill>
@@ -1285,7 +1349,7 @@
                 </a:solidFill>
               </a:defRPr>
             </a:lvl3pPr>
-            <a:lvl4pPr indent="0" marL="1371600">
+            <a:lvl4pPr marL="1371600" indent="0">
               <a:buNone/>
               <a:defRPr sz="1600">
                 <a:solidFill>
@@ -1295,7 +1359,7 @@
                 </a:solidFill>
               </a:defRPr>
             </a:lvl4pPr>
-            <a:lvl5pPr indent="0" marL="1828800">
+            <a:lvl5pPr marL="1828800" indent="0">
               <a:buNone/>
               <a:defRPr sz="1600">
                 <a:solidFill>
@@ -1305,7 +1369,7 @@
                 </a:solidFill>
               </a:defRPr>
             </a:lvl5pPr>
-            <a:lvl6pPr indent="0" marL="2286000">
+            <a:lvl6pPr marL="2286000" indent="0">
               <a:buNone/>
               <a:defRPr sz="1600">
                 <a:solidFill>
@@ -1315,7 +1379,7 @@
                 </a:solidFill>
               </a:defRPr>
             </a:lvl6pPr>
-            <a:lvl7pPr indent="0" marL="2743200">
+            <a:lvl7pPr marL="2743200" indent="0">
               <a:buNone/>
               <a:defRPr sz="1600">
                 <a:solidFill>
@@ -1325,7 +1389,7 @@
                 </a:solidFill>
               </a:defRPr>
             </a:lvl7pPr>
-            <a:lvl8pPr indent="0" marL="3200400">
+            <a:lvl8pPr marL="3200400" indent="0">
               <a:buNone/>
               <a:defRPr sz="1600">
                 <a:solidFill>
@@ -1335,7 +1399,7 @@
                 </a:solidFill>
               </a:defRPr>
             </a:lvl8pPr>
-            <a:lvl9pPr indent="0" marL="3657600">
+            <a:lvl9pPr marL="3657600" indent="0">
               <a:buNone/>
               <a:defRPr sz="1600">
                 <a:solidFill>
@@ -1349,7 +1413,7 @@
           <a:p>
             <a:pPr lvl="0"/>
             <a:r>
-              <a:rPr altLang="en-US" lang="zh-CN" smtClean="0"/>
+              <a:rPr lang="zh-CN" altLang="en-US" smtClean="0"/>
               <a:t>单击此处编辑母版文本样式</a:t>
             </a:r>
           </a:p>
@@ -1368,11 +1432,14 @@
         <p:spPr/>
         <p:txBody>
           <a:bodyPr/>
+          <a:lstStyle/>
           <a:p>
             <a:fld id="{E335F522-6256-461E-A79F-4037A6D0C8F9}" type="datetimeFigureOut">
-              <a:rPr altLang="en-US" lang="zh-CN" smtClean="0"/>
+              <a:rPr lang="zh-CN" altLang="en-US" smtClean="0"/>
+              <a:pPr/>
+              <a:t>2017-04-22</a:t>
             </a:fld>
-            <a:endParaRPr altLang="en-US" lang="zh-CN"/>
+            <a:endParaRPr lang="zh-CN" altLang="en-US"/>
           </a:p>
         </p:txBody>
       </p:sp>
@@ -1389,8 +1456,9 @@
         <p:spPr/>
         <p:txBody>
           <a:bodyPr/>
-          <a:p>
-            <a:endParaRPr altLang="en-US" lang="zh-CN"/>
+          <a:lstStyle/>
+          <a:p>
+            <a:endParaRPr lang="zh-CN" altLang="en-US"/>
           </a:p>
         </p:txBody>
       </p:sp>
@@ -1407,11 +1475,14 @@
         <p:spPr/>
         <p:txBody>
           <a:bodyPr/>
+          <a:lstStyle/>
           <a:p>
             <a:fld id="{1C1A564D-84E6-4D0E-9D2B-1519760DAFCC}" type="slidenum">
-              <a:rPr altLang="en-US" lang="zh-CN" smtClean="0"/>
+              <a:rPr lang="zh-CN" altLang="en-US" smtClean="0"/>
+              <a:pPr/>
+              <a:t>‹#›</a:t>
             </a:fld>
-            <a:endParaRPr altLang="en-US" lang="zh-CN"/>
+            <a:endParaRPr lang="zh-CN" altLang="en-US"/>
           </a:p>
         </p:txBody>
       </p:sp>
@@ -1424,11 +1495,11 @@
 </file>
 
 <file path=ppt/slideLayouts/slideLayout4.xml><?xml version="1.0" encoding="utf-8"?>
-<p:sldLayout xmlns:a="http://schemas.openxmlformats.org/drawingml/2006/main" xmlns:r="http://schemas.openxmlformats.org/officeDocument/2006/relationships" xmlns:p="http://schemas.openxmlformats.org/presentationml/2006/main" preserve="1" type="twoObj">
+<p:sldLayout xmlns:a="http://schemas.openxmlformats.org/drawingml/2006/main" xmlns:r="http://schemas.openxmlformats.org/officeDocument/2006/relationships" xmlns:p="http://schemas.openxmlformats.org/presentationml/2006/main" type="twoObj" preserve="1">
   <p:cSld name="两栏内容">
     <p:spTree>
       <p:nvGrpSpPr>
-        <p:cNvPr id="34" name=""/>
+        <p:cNvPr id="1" name=""/>
         <p:cNvGrpSpPr/>
         <p:nvPr/>
       </p:nvGrpSpPr>
@@ -1453,12 +1524,13 @@
         <p:spPr/>
         <p:txBody>
           <a:bodyPr/>
-          <a:p>
-            <a:r>
-              <a:rPr altLang="en-US" lang="zh-CN" smtClean="0"/>
+          <a:lstStyle/>
+          <a:p>
+            <a:r>
+              <a:rPr lang="zh-CN" altLang="en-US" smtClean="0"/>
               <a:t>单击此处编辑母版标题样式</a:t>
             </a:r>
-            <a:endParaRPr dirty="0" lang="en-US"/>
+            <a:endParaRPr lang="en-US" dirty="0"/>
           </a:p>
         </p:txBody>
       </p:sp>
@@ -1480,41 +1552,42 @@
         </p:spPr>
         <p:txBody>
           <a:bodyPr/>
+          <a:lstStyle/>
           <a:p>
             <a:pPr lvl="0"/>
             <a:r>
-              <a:rPr altLang="en-US" lang="zh-CN" smtClean="0"/>
+              <a:rPr lang="zh-CN" altLang="en-US" smtClean="0"/>
               <a:t>单击此处编辑母版文本样式</a:t>
             </a:r>
           </a:p>
           <a:p>
             <a:pPr lvl="1"/>
             <a:r>
-              <a:rPr altLang="en-US" lang="zh-CN" smtClean="0"/>
+              <a:rPr lang="zh-CN" altLang="en-US" smtClean="0"/>
               <a:t>第二级</a:t>
             </a:r>
           </a:p>
           <a:p>
             <a:pPr lvl="2"/>
             <a:r>
-              <a:rPr altLang="en-US" lang="zh-CN" smtClean="0"/>
+              <a:rPr lang="zh-CN" altLang="en-US" smtClean="0"/>
               <a:t>第三级</a:t>
             </a:r>
           </a:p>
           <a:p>
             <a:pPr lvl="3"/>
             <a:r>
-              <a:rPr altLang="en-US" lang="zh-CN" smtClean="0"/>
+              <a:rPr lang="zh-CN" altLang="en-US" smtClean="0"/>
               <a:t>第四级</a:t>
             </a:r>
           </a:p>
           <a:p>
             <a:pPr lvl="4"/>
             <a:r>
-              <a:rPr altLang="en-US" lang="zh-CN" smtClean="0"/>
+              <a:rPr lang="zh-CN" altLang="en-US" smtClean="0"/>
               <a:t>第五级</a:t>
             </a:r>
-            <a:endParaRPr dirty="0" lang="en-US"/>
+            <a:endParaRPr lang="en-US" dirty="0"/>
           </a:p>
         </p:txBody>
       </p:sp>
@@ -1536,41 +1609,42 @@
         </p:spPr>
         <p:txBody>
           <a:bodyPr/>
+          <a:lstStyle/>
           <a:p>
             <a:pPr lvl="0"/>
             <a:r>
-              <a:rPr altLang="en-US" lang="zh-CN" smtClean="0"/>
+              <a:rPr lang="zh-CN" altLang="en-US" smtClean="0"/>
               <a:t>单击此处编辑母版文本样式</a:t>
             </a:r>
           </a:p>
           <a:p>
             <a:pPr lvl="1"/>
             <a:r>
-              <a:rPr altLang="en-US" lang="zh-CN" smtClean="0"/>
+              <a:rPr lang="zh-CN" altLang="en-US" smtClean="0"/>
               <a:t>第二级</a:t>
             </a:r>
           </a:p>
           <a:p>
             <a:pPr lvl="2"/>
             <a:r>
-              <a:rPr altLang="en-US" lang="zh-CN" smtClean="0"/>
+              <a:rPr lang="zh-CN" altLang="en-US" smtClean="0"/>
               <a:t>第三级</a:t>
             </a:r>
           </a:p>
           <a:p>
             <a:pPr lvl="3"/>
             <a:r>
-              <a:rPr altLang="en-US" lang="zh-CN" smtClean="0"/>
+              <a:rPr lang="zh-CN" altLang="en-US" smtClean="0"/>
               <a:t>第四级</a:t>
             </a:r>
           </a:p>
           <a:p>
             <a:pPr lvl="4"/>
             <a:r>
-              <a:rPr altLang="en-US" lang="zh-CN" smtClean="0"/>
+              <a:rPr lang="zh-CN" altLang="en-US" smtClean="0"/>
               <a:t>第五级</a:t>
             </a:r>
-            <a:endParaRPr dirty="0" lang="en-US"/>
+            <a:endParaRPr lang="en-US" dirty="0"/>
           </a:p>
         </p:txBody>
       </p:sp>
@@ -1587,11 +1661,14 @@
         <p:spPr/>
         <p:txBody>
           <a:bodyPr/>
+          <a:lstStyle/>
           <a:p>
             <a:fld id="{E335F522-6256-461E-A79F-4037A6D0C8F9}" type="datetimeFigureOut">
-              <a:rPr altLang="en-US" lang="zh-CN" smtClean="0"/>
+              <a:rPr lang="zh-CN" altLang="en-US" smtClean="0"/>
+              <a:pPr/>
+              <a:t>2017-04-22</a:t>
             </a:fld>
-            <a:endParaRPr altLang="en-US" lang="zh-CN"/>
+            <a:endParaRPr lang="zh-CN" altLang="en-US"/>
           </a:p>
         </p:txBody>
       </p:sp>
@@ -1608,8 +1685,9 @@
         <p:spPr/>
         <p:txBody>
           <a:bodyPr/>
-          <a:p>
-            <a:endParaRPr altLang="en-US" lang="zh-CN"/>
+          <a:lstStyle/>
+          <a:p>
+            <a:endParaRPr lang="zh-CN" altLang="en-US"/>
           </a:p>
         </p:txBody>
       </p:sp>
@@ -1626,11 +1704,14 @@
         <p:spPr/>
         <p:txBody>
           <a:bodyPr/>
+          <a:lstStyle/>
           <a:p>
             <a:fld id="{1C1A564D-84E6-4D0E-9D2B-1519760DAFCC}" type="slidenum">
-              <a:rPr altLang="en-US" lang="zh-CN" smtClean="0"/>
+              <a:rPr lang="zh-CN" altLang="en-US" smtClean="0"/>
+              <a:pPr/>
+              <a:t>‹#›</a:t>
             </a:fld>
-            <a:endParaRPr altLang="en-US" lang="zh-CN"/>
+            <a:endParaRPr lang="zh-CN" altLang="en-US"/>
           </a:p>
         </p:txBody>
       </p:sp>
@@ -1643,11 +1724,11 @@
 </file>
 
 <file path=ppt/slideLayouts/slideLayout5.xml><?xml version="1.0" encoding="utf-8"?>
-<p:sldLayout xmlns:a="http://schemas.openxmlformats.org/drawingml/2006/main" xmlns:r="http://schemas.openxmlformats.org/officeDocument/2006/relationships" xmlns:p="http://schemas.openxmlformats.org/presentationml/2006/main" preserve="1" type="twoTxTwoObj">
+<p:sldLayout xmlns:a="http://schemas.openxmlformats.org/drawingml/2006/main" xmlns:r="http://schemas.openxmlformats.org/officeDocument/2006/relationships" xmlns:p="http://schemas.openxmlformats.org/presentationml/2006/main" type="twoTxTwoObj" preserve="1">
   <p:cSld name="比较">
     <p:spTree>
       <p:nvGrpSpPr>
-        <p:cNvPr id="35" name=""/>
+        <p:cNvPr id="1" name=""/>
         <p:cNvGrpSpPr/>
         <p:nvPr/>
       </p:nvGrpSpPr>
@@ -1677,12 +1758,13 @@
         </p:spPr>
         <p:txBody>
           <a:bodyPr/>
-          <a:p>
-            <a:r>
-              <a:rPr altLang="en-US" lang="zh-CN" smtClean="0"/>
+          <a:lstStyle/>
+          <a:p>
+            <a:r>
+              <a:rPr lang="zh-CN" altLang="en-US" smtClean="0"/>
               <a:t>单击此处编辑母版标题样式</a:t>
             </a:r>
-            <a:endParaRPr dirty="0" lang="en-US"/>
+            <a:endParaRPr lang="en-US" dirty="0"/>
           </a:p>
         </p:txBody>
       </p:sp>
@@ -1705,47 +1787,47 @@
         <p:txBody>
           <a:bodyPr anchor="b"/>
           <a:lstStyle>
-            <a:lvl1pPr indent="0" marL="0">
-              <a:buNone/>
-              <a:defRPr b="1" sz="2400"/>
+            <a:lvl1pPr marL="0" indent="0">
+              <a:buNone/>
+              <a:defRPr sz="2400" b="1"/>
             </a:lvl1pPr>
-            <a:lvl2pPr indent="0" marL="457200">
-              <a:buNone/>
-              <a:defRPr b="1" sz="2000"/>
+            <a:lvl2pPr marL="457200" indent="0">
+              <a:buNone/>
+              <a:defRPr sz="2000" b="1"/>
             </a:lvl2pPr>
-            <a:lvl3pPr indent="0" marL="914400">
-              <a:buNone/>
-              <a:defRPr b="1" sz="1800"/>
+            <a:lvl3pPr marL="914400" indent="0">
+              <a:buNone/>
+              <a:defRPr sz="1800" b="1"/>
             </a:lvl3pPr>
-            <a:lvl4pPr indent="0" marL="1371600">
-              <a:buNone/>
-              <a:defRPr b="1" sz="1600"/>
+            <a:lvl4pPr marL="1371600" indent="0">
+              <a:buNone/>
+              <a:defRPr sz="1600" b="1"/>
             </a:lvl4pPr>
-            <a:lvl5pPr indent="0" marL="1828800">
-              <a:buNone/>
-              <a:defRPr b="1" sz="1600"/>
+            <a:lvl5pPr marL="1828800" indent="0">
+              <a:buNone/>
+              <a:defRPr sz="1600" b="1"/>
             </a:lvl5pPr>
-            <a:lvl6pPr indent="0" marL="2286000">
-              <a:buNone/>
-              <a:defRPr b="1" sz="1600"/>
+            <a:lvl6pPr marL="2286000" indent="0">
+              <a:buNone/>
+              <a:defRPr sz="1600" b="1"/>
             </a:lvl6pPr>
-            <a:lvl7pPr indent="0" marL="2743200">
-              <a:buNone/>
-              <a:defRPr b="1" sz="1600"/>
+            <a:lvl7pPr marL="2743200" indent="0">
+              <a:buNone/>
+              <a:defRPr sz="1600" b="1"/>
             </a:lvl7pPr>
-            <a:lvl8pPr indent="0" marL="3200400">
-              <a:buNone/>
-              <a:defRPr b="1" sz="1600"/>
+            <a:lvl8pPr marL="3200400" indent="0">
+              <a:buNone/>
+              <a:defRPr sz="1600" b="1"/>
             </a:lvl8pPr>
-            <a:lvl9pPr indent="0" marL="3657600">
-              <a:buNone/>
-              <a:defRPr b="1" sz="1600"/>
+            <a:lvl9pPr marL="3657600" indent="0">
+              <a:buNone/>
+              <a:defRPr sz="1600" b="1"/>
             </a:lvl9pPr>
           </a:lstStyle>
           <a:p>
             <a:pPr lvl="0"/>
             <a:r>
-              <a:rPr altLang="en-US" lang="zh-CN" smtClean="0"/>
+              <a:rPr lang="zh-CN" altLang="en-US" smtClean="0"/>
               <a:t>单击此处编辑母版文本样式</a:t>
             </a:r>
           </a:p>
@@ -1769,41 +1851,42 @@
         </p:spPr>
         <p:txBody>
           <a:bodyPr/>
+          <a:lstStyle/>
           <a:p>
             <a:pPr lvl="0"/>
             <a:r>
-              <a:rPr altLang="en-US" lang="zh-CN" smtClean="0"/>
+              <a:rPr lang="zh-CN" altLang="en-US" smtClean="0"/>
               <a:t>单击此处编辑母版文本样式</a:t>
             </a:r>
           </a:p>
           <a:p>
             <a:pPr lvl="1"/>
             <a:r>
-              <a:rPr altLang="en-US" lang="zh-CN" smtClean="0"/>
+              <a:rPr lang="zh-CN" altLang="en-US" smtClean="0"/>
               <a:t>第二级</a:t>
             </a:r>
           </a:p>
           <a:p>
             <a:pPr lvl="2"/>
             <a:r>
-              <a:rPr altLang="en-US" lang="zh-CN" smtClean="0"/>
+              <a:rPr lang="zh-CN" altLang="en-US" smtClean="0"/>
               <a:t>第三级</a:t>
             </a:r>
           </a:p>
           <a:p>
             <a:pPr lvl="3"/>
             <a:r>
-              <a:rPr altLang="en-US" lang="zh-CN" smtClean="0"/>
+              <a:rPr lang="zh-CN" altLang="en-US" smtClean="0"/>
               <a:t>第四级</a:t>
             </a:r>
           </a:p>
           <a:p>
             <a:pPr lvl="4"/>
             <a:r>
-              <a:rPr altLang="en-US" lang="zh-CN" smtClean="0"/>
+              <a:rPr lang="zh-CN" altLang="en-US" smtClean="0"/>
               <a:t>第五级</a:t>
             </a:r>
-            <a:endParaRPr dirty="0" lang="en-US"/>
+            <a:endParaRPr lang="en-US" dirty="0"/>
           </a:p>
         </p:txBody>
       </p:sp>
@@ -1826,47 +1909,47 @@
         <p:txBody>
           <a:bodyPr anchor="b"/>
           <a:lstStyle>
-            <a:lvl1pPr indent="0" marL="0">
-              <a:buNone/>
-              <a:defRPr b="1" sz="2400"/>
+            <a:lvl1pPr marL="0" indent="0">
+              <a:buNone/>
+              <a:defRPr sz="2400" b="1"/>
             </a:lvl1pPr>
-            <a:lvl2pPr indent="0" marL="457200">
-              <a:buNone/>
-              <a:defRPr b="1" sz="2000"/>
+            <a:lvl2pPr marL="457200" indent="0">
+              <a:buNone/>
+              <a:defRPr sz="2000" b="1"/>
             </a:lvl2pPr>
-            <a:lvl3pPr indent="0" marL="914400">
-              <a:buNone/>
-              <a:defRPr b="1" sz="1800"/>
+            <a:lvl3pPr marL="914400" indent="0">
+              <a:buNone/>
+              <a:defRPr sz="1800" b="1"/>
             </a:lvl3pPr>
-            <a:lvl4pPr indent="0" marL="1371600">
-              <a:buNone/>
-              <a:defRPr b="1" sz="1600"/>
+            <a:lvl4pPr marL="1371600" indent="0">
+              <a:buNone/>
+              <a:defRPr sz="1600" b="1"/>
             </a:lvl4pPr>
-            <a:lvl5pPr indent="0" marL="1828800">
-              <a:buNone/>
-              <a:defRPr b="1" sz="1600"/>
+            <a:lvl5pPr marL="1828800" indent="0">
+              <a:buNone/>
+              <a:defRPr sz="1600" b="1"/>
             </a:lvl5pPr>
-            <a:lvl6pPr indent="0" marL="2286000">
-              <a:buNone/>
-              <a:defRPr b="1" sz="1600"/>
+            <a:lvl6pPr marL="2286000" indent="0">
+              <a:buNone/>
+              <a:defRPr sz="1600" b="1"/>
             </a:lvl6pPr>
-            <a:lvl7pPr indent="0" marL="2743200">
-              <a:buNone/>
-              <a:defRPr b="1" sz="1600"/>
+            <a:lvl7pPr marL="2743200" indent="0">
+              <a:buNone/>
+              <a:defRPr sz="1600" b="1"/>
             </a:lvl7pPr>
-            <a:lvl8pPr indent="0" marL="3200400">
-              <a:buNone/>
-              <a:defRPr b="1" sz="1600"/>
+            <a:lvl8pPr marL="3200400" indent="0">
+              <a:buNone/>
+              <a:defRPr sz="1600" b="1"/>
             </a:lvl8pPr>
-            <a:lvl9pPr indent="0" marL="3657600">
-              <a:buNone/>
-              <a:defRPr b="1" sz="1600"/>
+            <a:lvl9pPr marL="3657600" indent="0">
+              <a:buNone/>
+              <a:defRPr sz="1600" b="1"/>
             </a:lvl9pPr>
           </a:lstStyle>
           <a:p>
             <a:pPr lvl="0"/>
             <a:r>
-              <a:rPr altLang="en-US" lang="zh-CN" smtClean="0"/>
+              <a:rPr lang="zh-CN" altLang="en-US" smtClean="0"/>
               <a:t>单击此处编辑母版文本样式</a:t>
             </a:r>
           </a:p>
@@ -1890,41 +1973,42 @@
         </p:spPr>
         <p:txBody>
           <a:bodyPr/>
+          <a:lstStyle/>
           <a:p>
             <a:pPr lvl="0"/>
             <a:r>
-              <a:rPr altLang="en-US" lang="zh-CN" smtClean="0"/>
+              <a:rPr lang="zh-CN" altLang="en-US" smtClean="0"/>
               <a:t>单击此处编辑母版文本样式</a:t>
             </a:r>
           </a:p>
           <a:p>
             <a:pPr lvl="1"/>
             <a:r>
-              <a:rPr altLang="en-US" lang="zh-CN" smtClean="0"/>
+              <a:rPr lang="zh-CN" altLang="en-US" smtClean="0"/>
               <a:t>第二级</a:t>
             </a:r>
           </a:p>
           <a:p>
             <a:pPr lvl="2"/>
             <a:r>
-              <a:rPr altLang="en-US" lang="zh-CN" smtClean="0"/>
+              <a:rPr lang="zh-CN" altLang="en-US" smtClean="0"/>
               <a:t>第三级</a:t>
             </a:r>
           </a:p>
           <a:p>
             <a:pPr lvl="3"/>
             <a:r>
-              <a:rPr altLang="en-US" lang="zh-CN" smtClean="0"/>
+              <a:rPr lang="zh-CN" altLang="en-US" smtClean="0"/>
               <a:t>第四级</a:t>
             </a:r>
           </a:p>
           <a:p>
             <a:pPr lvl="4"/>
             <a:r>
-              <a:rPr altLang="en-US" lang="zh-CN" smtClean="0"/>
+              <a:rPr lang="zh-CN" altLang="en-US" smtClean="0"/>
               <a:t>第五级</a:t>
             </a:r>
-            <a:endParaRPr dirty="0" lang="en-US"/>
+            <a:endParaRPr lang="en-US" dirty="0"/>
           </a:p>
         </p:txBody>
       </p:sp>
@@ -1941,11 +2025,14 @@
         <p:spPr/>
         <p:txBody>
           <a:bodyPr/>
+          <a:lstStyle/>
           <a:p>
             <a:fld id="{E335F522-6256-461E-A79F-4037A6D0C8F9}" type="datetimeFigureOut">
-              <a:rPr altLang="en-US" lang="zh-CN" smtClean="0"/>
+              <a:rPr lang="zh-CN" altLang="en-US" smtClean="0"/>
+              <a:pPr/>
+              <a:t>2017-04-22</a:t>
             </a:fld>
-            <a:endParaRPr altLang="en-US" lang="zh-CN"/>
+            <a:endParaRPr lang="zh-CN" altLang="en-US"/>
           </a:p>
         </p:txBody>
       </p:sp>
@@ -1962,8 +2049,9 @@
         <p:spPr/>
         <p:txBody>
           <a:bodyPr/>
-          <a:p>
-            <a:endParaRPr altLang="en-US" lang="zh-CN"/>
+          <a:lstStyle/>
+          <a:p>
+            <a:endParaRPr lang="zh-CN" altLang="en-US"/>
           </a:p>
         </p:txBody>
       </p:sp>
@@ -1980,11 +2068,14 @@
         <p:spPr/>
         <p:txBody>
           <a:bodyPr/>
+          <a:lstStyle/>
           <a:p>
             <a:fld id="{1C1A564D-84E6-4D0E-9D2B-1519760DAFCC}" type="slidenum">
-              <a:rPr altLang="en-US" lang="zh-CN" smtClean="0"/>
+              <a:rPr lang="zh-CN" altLang="en-US" smtClean="0"/>
+              <a:pPr/>
+              <a:t>‹#›</a:t>
             </a:fld>
-            <a:endParaRPr altLang="en-US" lang="zh-CN"/>
+            <a:endParaRPr lang="zh-CN" altLang="en-US"/>
           </a:p>
         </p:txBody>
       </p:sp>
@@ -1997,11 +2088,11 @@
 </file>
 
 <file path=ppt/slideLayouts/slideLayout6.xml><?xml version="1.0" encoding="utf-8"?>
-<p:sldLayout xmlns:a="http://schemas.openxmlformats.org/drawingml/2006/main" xmlns:r="http://schemas.openxmlformats.org/officeDocument/2006/relationships" xmlns:p="http://schemas.openxmlformats.org/presentationml/2006/main" preserve="1" type="titleOnly">
+<p:sldLayout xmlns:a="http://schemas.openxmlformats.org/drawingml/2006/main" xmlns:r="http://schemas.openxmlformats.org/officeDocument/2006/relationships" xmlns:p="http://schemas.openxmlformats.org/presentationml/2006/main" type="titleOnly" preserve="1">
   <p:cSld name="仅标题">
     <p:spTree>
       <p:nvGrpSpPr>
-        <p:cNvPr id="36" name=""/>
+        <p:cNvPr id="1" name=""/>
         <p:cNvGrpSpPr/>
         <p:nvPr/>
       </p:nvGrpSpPr>
@@ -2026,12 +2117,13 @@
         <p:spPr/>
         <p:txBody>
           <a:bodyPr/>
-          <a:p>
-            <a:r>
-              <a:rPr altLang="en-US" lang="zh-CN" smtClean="0"/>
+          <a:lstStyle/>
+          <a:p>
+            <a:r>
+              <a:rPr lang="zh-CN" altLang="en-US" smtClean="0"/>
               <a:t>单击此处编辑母版标题样式</a:t>
             </a:r>
-            <a:endParaRPr dirty="0" lang="en-US"/>
+            <a:endParaRPr lang="en-US" dirty="0"/>
           </a:p>
         </p:txBody>
       </p:sp>
@@ -2048,11 +2140,14 @@
         <p:spPr/>
         <p:txBody>
           <a:bodyPr/>
+          <a:lstStyle/>
           <a:p>
             <a:fld id="{E335F522-6256-461E-A79F-4037A6D0C8F9}" type="datetimeFigureOut">
-              <a:rPr altLang="en-US" lang="zh-CN" smtClean="0"/>
+              <a:rPr lang="zh-CN" altLang="en-US" smtClean="0"/>
+              <a:pPr/>
+              <a:t>2017-04-22</a:t>
             </a:fld>
-            <a:endParaRPr altLang="en-US" lang="zh-CN"/>
+            <a:endParaRPr lang="zh-CN" altLang="en-US"/>
           </a:p>
         </p:txBody>
       </p:sp>
@@ -2069,8 +2164,9 @@
         <p:spPr/>
         <p:txBody>
           <a:bodyPr/>
-          <a:p>
-            <a:endParaRPr altLang="en-US" lang="zh-CN"/>
+          <a:lstStyle/>
+          <a:p>
+            <a:endParaRPr lang="zh-CN" altLang="en-US"/>
           </a:p>
         </p:txBody>
       </p:sp>
@@ -2087,11 +2183,14 @@
         <p:spPr/>
         <p:txBody>
           <a:bodyPr/>
+          <a:lstStyle/>
           <a:p>
             <a:fld id="{1C1A564D-84E6-4D0E-9D2B-1519760DAFCC}" type="slidenum">
-              <a:rPr altLang="en-US" lang="zh-CN" smtClean="0"/>
+              <a:rPr lang="zh-CN" altLang="en-US" smtClean="0"/>
+              <a:pPr/>
+              <a:t>‹#›</a:t>
             </a:fld>
-            <a:endParaRPr altLang="en-US" lang="zh-CN"/>
+            <a:endParaRPr lang="zh-CN" altLang="en-US"/>
           </a:p>
         </p:txBody>
       </p:sp>
@@ -2104,11 +2203,11 @@
 </file>
 
 <file path=ppt/slideLayouts/slideLayout7.xml><?xml version="1.0" encoding="utf-8"?>
-<p:sldLayout xmlns:a="http://schemas.openxmlformats.org/drawingml/2006/main" xmlns:r="http://schemas.openxmlformats.org/officeDocument/2006/relationships" xmlns:p="http://schemas.openxmlformats.org/presentationml/2006/main" preserve="1" type="blank">
+<p:sldLayout xmlns:a="http://schemas.openxmlformats.org/drawingml/2006/main" xmlns:r="http://schemas.openxmlformats.org/officeDocument/2006/relationships" xmlns:p="http://schemas.openxmlformats.org/presentationml/2006/main" type="blank" preserve="1">
   <p:cSld name="空白">
     <p:spTree>
       <p:nvGrpSpPr>
-        <p:cNvPr id="38" name=""/>
+        <p:cNvPr id="1" name=""/>
         <p:cNvGrpSpPr/>
         <p:nvPr/>
       </p:nvGrpSpPr>
@@ -2133,11 +2232,14 @@
         <p:spPr/>
         <p:txBody>
           <a:bodyPr/>
+          <a:lstStyle/>
           <a:p>
             <a:fld id="{E335F522-6256-461E-A79F-4037A6D0C8F9}" type="datetimeFigureOut">
-              <a:rPr altLang="en-US" lang="zh-CN" smtClean="0"/>
+              <a:rPr lang="zh-CN" altLang="en-US" smtClean="0"/>
+              <a:pPr/>
+              <a:t>2017-04-22</a:t>
             </a:fld>
-            <a:endParaRPr altLang="en-US" lang="zh-CN"/>
+            <a:endParaRPr lang="zh-CN" altLang="en-US"/>
           </a:p>
         </p:txBody>
       </p:sp>
@@ -2154,8 +2256,9 @@
         <p:spPr/>
         <p:txBody>
           <a:bodyPr/>
-          <a:p>
-            <a:endParaRPr altLang="en-US" lang="zh-CN"/>
+          <a:lstStyle/>
+          <a:p>
+            <a:endParaRPr lang="zh-CN" altLang="en-US"/>
           </a:p>
         </p:txBody>
       </p:sp>
@@ -2172,11 +2275,14 @@
         <p:spPr/>
         <p:txBody>
           <a:bodyPr/>
+          <a:lstStyle/>
           <a:p>
             <a:fld id="{1C1A564D-84E6-4D0E-9D2B-1519760DAFCC}" type="slidenum">
-              <a:rPr altLang="en-US" lang="zh-CN" smtClean="0"/>
+              <a:rPr lang="zh-CN" altLang="en-US" smtClean="0"/>
+              <a:pPr/>
+              <a:t>‹#›</a:t>
             </a:fld>
-            <a:endParaRPr altLang="en-US" lang="zh-CN"/>
+            <a:endParaRPr lang="zh-CN" altLang="en-US"/>
           </a:p>
         </p:txBody>
       </p:sp>
@@ -2189,11 +2295,11 @@
 </file>
 
 <file path=ppt/slideLayouts/slideLayout8.xml><?xml version="1.0" encoding="utf-8"?>
-<p:sldLayout xmlns:a="http://schemas.openxmlformats.org/drawingml/2006/main" xmlns:r="http://schemas.openxmlformats.org/officeDocument/2006/relationships" xmlns:p="http://schemas.openxmlformats.org/presentationml/2006/main" preserve="1" type="objTx">
+<p:sldLayout xmlns:a="http://schemas.openxmlformats.org/drawingml/2006/main" xmlns:r="http://schemas.openxmlformats.org/officeDocument/2006/relationships" xmlns:p="http://schemas.openxmlformats.org/presentationml/2006/main" type="objTx" preserve="1">
   <p:cSld name="内容与标题">
     <p:spTree>
       <p:nvGrpSpPr>
-        <p:cNvPr id="42" name=""/>
+        <p:cNvPr id="1" name=""/>
         <p:cNvGrpSpPr/>
         <p:nvPr/>
       </p:nvGrpSpPr>
@@ -2230,10 +2336,10 @@
           </a:lstStyle>
           <a:p>
             <a:r>
-              <a:rPr altLang="en-US" lang="zh-CN" smtClean="0"/>
+              <a:rPr lang="zh-CN" altLang="en-US" smtClean="0"/>
               <a:t>单击此处编辑母版标题样式</a:t>
             </a:r>
-            <a:endParaRPr dirty="0" lang="en-US"/>
+            <a:endParaRPr lang="en-US" dirty="0"/>
           </a:p>
         </p:txBody>
       </p:sp>
@@ -2287,38 +2393,38 @@
           <a:p>
             <a:pPr lvl="0"/>
             <a:r>
-              <a:rPr altLang="en-US" lang="zh-CN" smtClean="0"/>
+              <a:rPr lang="zh-CN" altLang="en-US" smtClean="0"/>
               <a:t>单击此处编辑母版文本样式</a:t>
             </a:r>
           </a:p>
           <a:p>
             <a:pPr lvl="1"/>
             <a:r>
-              <a:rPr altLang="en-US" lang="zh-CN" smtClean="0"/>
+              <a:rPr lang="zh-CN" altLang="en-US" smtClean="0"/>
               <a:t>第二级</a:t>
             </a:r>
           </a:p>
           <a:p>
             <a:pPr lvl="2"/>
             <a:r>
-              <a:rPr altLang="en-US" lang="zh-CN" smtClean="0"/>
+              <a:rPr lang="zh-CN" altLang="en-US" smtClean="0"/>
               <a:t>第三级</a:t>
             </a:r>
           </a:p>
           <a:p>
             <a:pPr lvl="3"/>
             <a:r>
-              <a:rPr altLang="en-US" lang="zh-CN" smtClean="0"/>
+              <a:rPr lang="zh-CN" altLang="en-US" smtClean="0"/>
               <a:t>第四级</a:t>
             </a:r>
           </a:p>
           <a:p>
             <a:pPr lvl="4"/>
             <a:r>
-              <a:rPr altLang="en-US" lang="zh-CN" smtClean="0"/>
+              <a:rPr lang="zh-CN" altLang="en-US" smtClean="0"/>
               <a:t>第五级</a:t>
             </a:r>
-            <a:endParaRPr dirty="0" lang="en-US"/>
+            <a:endParaRPr lang="en-US" dirty="0"/>
           </a:p>
         </p:txBody>
       </p:sp>
@@ -2341,39 +2447,39 @@
         <p:txBody>
           <a:bodyPr/>
           <a:lstStyle>
-            <a:lvl1pPr indent="0" marL="0">
+            <a:lvl1pPr marL="0" indent="0">
               <a:buNone/>
               <a:defRPr sz="1600"/>
             </a:lvl1pPr>
-            <a:lvl2pPr indent="0" marL="457200">
+            <a:lvl2pPr marL="457200" indent="0">
               <a:buNone/>
               <a:defRPr sz="1400"/>
             </a:lvl2pPr>
-            <a:lvl3pPr indent="0" marL="914400">
+            <a:lvl3pPr marL="914400" indent="0">
               <a:buNone/>
               <a:defRPr sz="1200"/>
             </a:lvl3pPr>
-            <a:lvl4pPr indent="0" marL="1371600">
+            <a:lvl4pPr marL="1371600" indent="0">
               <a:buNone/>
               <a:defRPr sz="1000"/>
             </a:lvl4pPr>
-            <a:lvl5pPr indent="0" marL="1828800">
+            <a:lvl5pPr marL="1828800" indent="0">
               <a:buNone/>
               <a:defRPr sz="1000"/>
             </a:lvl5pPr>
-            <a:lvl6pPr indent="0" marL="2286000">
+            <a:lvl6pPr marL="2286000" indent="0">
               <a:buNone/>
               <a:defRPr sz="1000"/>
             </a:lvl6pPr>
-            <a:lvl7pPr indent="0" marL="2743200">
+            <a:lvl7pPr marL="2743200" indent="0">
               <a:buNone/>
               <a:defRPr sz="1000"/>
             </a:lvl7pPr>
-            <a:lvl8pPr indent="0" marL="3200400">
+            <a:lvl8pPr marL="3200400" indent="0">
               <a:buNone/>
               <a:defRPr sz="1000"/>
             </a:lvl8pPr>
-            <a:lvl9pPr indent="0" marL="3657600">
+            <a:lvl9pPr marL="3657600" indent="0">
               <a:buNone/>
               <a:defRPr sz="1000"/>
             </a:lvl9pPr>
@@ -2381,7 +2487,7 @@
           <a:p>
             <a:pPr lvl="0"/>
             <a:r>
-              <a:rPr altLang="en-US" lang="zh-CN" smtClean="0"/>
+              <a:rPr lang="zh-CN" altLang="en-US" smtClean="0"/>
               <a:t>单击此处编辑母版文本样式</a:t>
             </a:r>
           </a:p>
@@ -2400,11 +2506,14 @@
         <p:spPr/>
         <p:txBody>
           <a:bodyPr/>
+          <a:lstStyle/>
           <a:p>
             <a:fld id="{E335F522-6256-461E-A79F-4037A6D0C8F9}" type="datetimeFigureOut">
-              <a:rPr altLang="en-US" lang="zh-CN" smtClean="0"/>
+              <a:rPr lang="zh-CN" altLang="en-US" smtClean="0"/>
+              <a:pPr/>
+              <a:t>2017-04-22</a:t>
             </a:fld>
-            <a:endParaRPr altLang="en-US" lang="zh-CN"/>
+            <a:endParaRPr lang="zh-CN" altLang="en-US"/>
           </a:p>
         </p:txBody>
       </p:sp>
@@ -2421,8 +2530,9 @@
         <p:spPr/>
         <p:txBody>
           <a:bodyPr/>
-          <a:p>
-            <a:endParaRPr altLang="en-US" lang="zh-CN"/>
+          <a:lstStyle/>
+          <a:p>
+            <a:endParaRPr lang="zh-CN" altLang="en-US"/>
           </a:p>
         </p:txBody>
       </p:sp>
@@ -2439,11 +2549,14 @@
         <p:spPr/>
         <p:txBody>
           <a:bodyPr/>
+          <a:lstStyle/>
           <a:p>
             <a:fld id="{1C1A564D-84E6-4D0E-9D2B-1519760DAFCC}" type="slidenum">
-              <a:rPr altLang="en-US" lang="zh-CN" smtClean="0"/>
+              <a:rPr lang="zh-CN" altLang="en-US" smtClean="0"/>
+              <a:pPr/>
+              <a:t>‹#›</a:t>
             </a:fld>
-            <a:endParaRPr altLang="en-US" lang="zh-CN"/>
+            <a:endParaRPr lang="zh-CN" altLang="en-US"/>
           </a:p>
         </p:txBody>
       </p:sp>
@@ -2456,11 +2569,11 @@
 </file>
 
 <file path=ppt/slideLayouts/slideLayout9.xml><?xml version="1.0" encoding="utf-8"?>
-<p:sldLayout xmlns:a="http://schemas.openxmlformats.org/drawingml/2006/main" xmlns:r="http://schemas.openxmlformats.org/officeDocument/2006/relationships" xmlns:p="http://schemas.openxmlformats.org/presentationml/2006/main" preserve="1" type="picTx">
+<p:sldLayout xmlns:a="http://schemas.openxmlformats.org/drawingml/2006/main" xmlns:r="http://schemas.openxmlformats.org/officeDocument/2006/relationships" xmlns:p="http://schemas.openxmlformats.org/presentationml/2006/main" type="picTx" preserve="1">
   <p:cSld name="图片与标题">
     <p:spTree>
       <p:nvGrpSpPr>
-        <p:cNvPr id="39" name=""/>
+        <p:cNvPr id="1" name=""/>
         <p:cNvGrpSpPr/>
         <p:nvPr/>
       </p:nvGrpSpPr>
@@ -2497,10 +2610,10 @@
           </a:lstStyle>
           <a:p>
             <a:r>
-              <a:rPr altLang="en-US" lang="zh-CN" smtClean="0"/>
+              <a:rPr lang="zh-CN" altLang="en-US" smtClean="0"/>
               <a:t>单击此处编辑母版标题样式</a:t>
             </a:r>
-            <a:endParaRPr dirty="0" lang="en-US"/>
+            <a:endParaRPr lang="en-US" dirty="0"/>
           </a:p>
         </p:txBody>
       </p:sp>
@@ -2508,7 +2621,7 @@
         <p:nvSpPr>
           <p:cNvPr id="1048636" name="Picture Placeholder 2"/>
           <p:cNvSpPr>
-            <a:spLocks noChangeAspect="1" noGrp="1"/>
+            <a:spLocks noGrp="1" noChangeAspect="1"/>
           </p:cNvSpPr>
           <p:nvPr>
             <p:ph type="pic" idx="1"/>
@@ -2523,49 +2636,49 @@
         <p:txBody>
           <a:bodyPr anchor="t"/>
           <a:lstStyle>
-            <a:lvl1pPr indent="0" marL="0">
+            <a:lvl1pPr marL="0" indent="0">
               <a:buNone/>
               <a:defRPr sz="3200"/>
             </a:lvl1pPr>
-            <a:lvl2pPr indent="0" marL="457200">
+            <a:lvl2pPr marL="457200" indent="0">
               <a:buNone/>
               <a:defRPr sz="2800"/>
             </a:lvl2pPr>
-            <a:lvl3pPr indent="0" marL="914400">
+            <a:lvl3pPr marL="914400" indent="0">
               <a:buNone/>
               <a:defRPr sz="2400"/>
             </a:lvl3pPr>
-            <a:lvl4pPr indent="0" marL="1371600">
+            <a:lvl4pPr marL="1371600" indent="0">
               <a:buNone/>
               <a:defRPr sz="2000"/>
             </a:lvl4pPr>
-            <a:lvl5pPr indent="0" marL="1828800">
+            <a:lvl5pPr marL="1828800" indent="0">
               <a:buNone/>
               <a:defRPr sz="2000"/>
             </a:lvl5pPr>
-            <a:lvl6pPr indent="0" marL="2286000">
+            <a:lvl6pPr marL="2286000" indent="0">
               <a:buNone/>
               <a:defRPr sz="2000"/>
             </a:lvl6pPr>
-            <a:lvl7pPr indent="0" marL="2743200">
+            <a:lvl7pPr marL="2743200" indent="0">
               <a:buNone/>
               <a:defRPr sz="2000"/>
             </a:lvl7pPr>
-            <a:lvl8pPr indent="0" marL="3200400">
+            <a:lvl8pPr marL="3200400" indent="0">
               <a:buNone/>
               <a:defRPr sz="2000"/>
             </a:lvl8pPr>
-            <a:lvl9pPr indent="0" marL="3657600">
+            <a:lvl9pPr marL="3657600" indent="0">
               <a:buNone/>
               <a:defRPr sz="2000"/>
             </a:lvl9pPr>
           </a:lstStyle>
           <a:p>
             <a:r>
-              <a:rPr altLang="en-US" lang="zh-CN" smtClean="0"/>
+              <a:rPr lang="zh-CN" altLang="en-US" smtClean="0"/>
               <a:t>单击图标添加图片</a:t>
             </a:r>
-            <a:endParaRPr dirty="0" lang="en-US"/>
+            <a:endParaRPr lang="en-US" dirty="0"/>
           </a:p>
         </p:txBody>
       </p:sp>
@@ -2588,39 +2701,39 @@
         <p:txBody>
           <a:bodyPr/>
           <a:lstStyle>
-            <a:lvl1pPr indent="0" marL="0">
+            <a:lvl1pPr marL="0" indent="0">
               <a:buNone/>
               <a:defRPr sz="1600"/>
             </a:lvl1pPr>
-            <a:lvl2pPr indent="0" marL="457200">
+            <a:lvl2pPr marL="457200" indent="0">
               <a:buNone/>
               <a:defRPr sz="1400"/>
             </a:lvl2pPr>
-            <a:lvl3pPr indent="0" marL="914400">
+            <a:lvl3pPr marL="914400" indent="0">
               <a:buNone/>
               <a:defRPr sz="1200"/>
             </a:lvl3pPr>
-            <a:lvl4pPr indent="0" marL="1371600">
+            <a:lvl4pPr marL="1371600" indent="0">
               <a:buNone/>
               <a:defRPr sz="1000"/>
             </a:lvl4pPr>
-            <a:lvl5pPr indent="0" marL="1828800">
+            <a:lvl5pPr marL="1828800" indent="0">
               <a:buNone/>
               <a:defRPr sz="1000"/>
             </a:lvl5pPr>
-            <a:lvl6pPr indent="0" marL="2286000">
+            <a:lvl6pPr marL="2286000" indent="0">
               <a:buNone/>
               <a:defRPr sz="1000"/>
             </a:lvl6pPr>
-            <a:lvl7pPr indent="0" marL="2743200">
+            <a:lvl7pPr marL="2743200" indent="0">
               <a:buNone/>
               <a:defRPr sz="1000"/>
             </a:lvl7pPr>
-            <a:lvl8pPr indent="0" marL="3200400">
+            <a:lvl8pPr marL="3200400" indent="0">
               <a:buNone/>
               <a:defRPr sz="1000"/>
             </a:lvl8pPr>
-            <a:lvl9pPr indent="0" marL="3657600">
+            <a:lvl9pPr marL="3657600" indent="0">
               <a:buNone/>
               <a:defRPr sz="1000"/>
             </a:lvl9pPr>
@@ -2628,7 +2741,7 @@
           <a:p>
             <a:pPr lvl="0"/>
             <a:r>
-              <a:rPr altLang="en-US" lang="zh-CN" smtClean="0"/>
+              <a:rPr lang="zh-CN" altLang="en-US" smtClean="0"/>
               <a:t>单击此处编辑母版文本样式</a:t>
             </a:r>
           </a:p>
@@ -2647,11 +2760,14 @@
         <p:spPr/>
         <p:txBody>
           <a:bodyPr/>
+          <a:lstStyle/>
           <a:p>
             <a:fld id="{E335F522-6256-461E-A79F-4037A6D0C8F9}" type="datetimeFigureOut">
-              <a:rPr altLang="en-US" lang="zh-CN" smtClean="0"/>
+              <a:rPr lang="zh-CN" altLang="en-US" smtClean="0"/>
+              <a:pPr/>
+              <a:t>2017-04-22</a:t>
             </a:fld>
-            <a:endParaRPr altLang="en-US" lang="zh-CN"/>
+            <a:endParaRPr lang="zh-CN" altLang="en-US"/>
           </a:p>
         </p:txBody>
       </p:sp>
@@ -2668,8 +2784,9 @@
         <p:spPr/>
         <p:txBody>
           <a:bodyPr/>
-          <a:p>
-            <a:endParaRPr altLang="en-US" lang="zh-CN"/>
+          <a:lstStyle/>
+          <a:p>
+            <a:endParaRPr lang="zh-CN" altLang="en-US"/>
           </a:p>
         </p:txBody>
       </p:sp>
@@ -2686,11 +2803,14 @@
         <p:spPr/>
         <p:txBody>
           <a:bodyPr/>
+          <a:lstStyle/>
           <a:p>
             <a:fld id="{1C1A564D-84E6-4D0E-9D2B-1519760DAFCC}" type="slidenum">
-              <a:rPr altLang="en-US" lang="zh-CN" smtClean="0"/>
+              <a:rPr lang="zh-CN" altLang="en-US" smtClean="0"/>
+              <a:pPr/>
+              <a:t>‹#›</a:t>
             </a:fld>
-            <a:endParaRPr altLang="en-US" lang="zh-CN"/>
+            <a:endParaRPr lang="zh-CN" altLang="en-US"/>
           </a:p>
         </p:txBody>
       </p:sp>
@@ -2712,7 +2832,7 @@
     </p:bg>
     <p:spTree>
       <p:nvGrpSpPr>
-        <p:cNvPr id="11" name=""/>
+        <p:cNvPr id="1" name=""/>
         <p:cNvGrpSpPr/>
         <p:nvPr/>
       </p:nvGrpSpPr>
@@ -2739,18 +2859,21 @@
             <a:off x="628650" y="365126"/>
             <a:ext cx="7886700" cy="1325563"/>
           </a:xfrm>
-          <a:prstGeom prst="rect"/>
+          <a:prstGeom prst="rect">
+            <a:avLst/>
+          </a:prstGeom>
         </p:spPr>
         <p:txBody>
-          <a:bodyPr anchor="ctr" bIns="45720" lIns="91440" rIns="91440" rtlCol="0" tIns="45720" vert="horz">
+          <a:bodyPr vert="horz" lIns="91440" tIns="45720" rIns="91440" bIns="45720" rtlCol="0" anchor="ctr">
             <a:normAutofit/>
           </a:bodyPr>
-          <a:p>
-            <a:r>
-              <a:rPr altLang="en-US" lang="zh-CN" smtClean="0"/>
+          <a:lstStyle/>
+          <a:p>
+            <a:r>
+              <a:rPr lang="zh-CN" altLang="en-US" smtClean="0"/>
               <a:t>单击此处编辑母版标题样式</a:t>
             </a:r>
-            <a:endParaRPr dirty="0" lang="en-US"/>
+            <a:endParaRPr lang="en-US" dirty="0"/>
           </a:p>
         </p:txBody>
       </p:sp>
@@ -2769,47 +2892,50 @@
             <a:off x="628650" y="1825625"/>
             <a:ext cx="7886700" cy="4351338"/>
           </a:xfrm>
-          <a:prstGeom prst="rect"/>
+          <a:prstGeom prst="rect">
+            <a:avLst/>
+          </a:prstGeom>
         </p:spPr>
         <p:txBody>
-          <a:bodyPr bIns="45720" lIns="91440" rIns="91440" rtlCol="0" tIns="45720" vert="horz">
+          <a:bodyPr vert="horz" lIns="91440" tIns="45720" rIns="91440" bIns="45720" rtlCol="0">
             <a:normAutofit/>
           </a:bodyPr>
+          <a:lstStyle/>
           <a:p>
             <a:pPr lvl="0"/>
             <a:r>
-              <a:rPr altLang="en-US" lang="zh-CN" smtClean="0"/>
+              <a:rPr lang="zh-CN" altLang="en-US" smtClean="0"/>
               <a:t>单击此处编辑母版文本样式</a:t>
             </a:r>
           </a:p>
           <a:p>
             <a:pPr lvl="1"/>
             <a:r>
-              <a:rPr altLang="en-US" lang="zh-CN" smtClean="0"/>
+              <a:rPr lang="zh-CN" altLang="en-US" smtClean="0"/>
               <a:t>第二级</a:t>
             </a:r>
           </a:p>
           <a:p>
             <a:pPr lvl="2"/>
             <a:r>
-              <a:rPr altLang="en-US" lang="zh-CN" smtClean="0"/>
+              <a:rPr lang="zh-CN" altLang="en-US" smtClean="0"/>
               <a:t>第三级</a:t>
             </a:r>
           </a:p>
           <a:p>
             <a:pPr lvl="3"/>
             <a:r>
-              <a:rPr altLang="en-US" lang="zh-CN" smtClean="0"/>
+              <a:rPr lang="zh-CN" altLang="en-US" smtClean="0"/>
               <a:t>第四级</a:t>
             </a:r>
           </a:p>
           <a:p>
             <a:pPr lvl="4"/>
             <a:r>
-              <a:rPr altLang="en-US" lang="zh-CN" smtClean="0"/>
+              <a:rPr lang="zh-CN" altLang="en-US" smtClean="0"/>
               <a:t>第五级</a:t>
             </a:r>
-            <a:endParaRPr dirty="0" lang="en-US"/>
+            <a:endParaRPr lang="en-US" dirty="0"/>
           </a:p>
         </p:txBody>
       </p:sp>
@@ -2828,10 +2954,12 @@
             <a:off x="628650" y="6356351"/>
             <a:ext cx="2057400" cy="365125"/>
           </a:xfrm>
-          <a:prstGeom prst="rect"/>
+          <a:prstGeom prst="rect">
+            <a:avLst/>
+          </a:prstGeom>
         </p:spPr>
         <p:txBody>
-          <a:bodyPr anchor="ctr" bIns="45720" lIns="91440" rIns="91440" rtlCol="0" tIns="45720" vert="horz"/>
+          <a:bodyPr vert="horz" lIns="91440" tIns="45720" rIns="91440" bIns="45720" rtlCol="0" anchor="ctr"/>
           <a:lstStyle>
             <a:lvl1pPr algn="l">
               <a:defRPr sz="1200">
@@ -2845,9 +2973,11 @@
           </a:lstStyle>
           <a:p>
             <a:fld id="{E335F522-6256-461E-A79F-4037A6D0C8F9}" type="datetimeFigureOut">
-              <a:rPr altLang="en-US" lang="zh-CN" smtClean="0"/>
+              <a:rPr lang="zh-CN" altLang="en-US" smtClean="0"/>
+              <a:pPr/>
+              <a:t>2017-04-22</a:t>
             </a:fld>
-            <a:endParaRPr altLang="en-US" lang="zh-CN"/>
+            <a:endParaRPr lang="zh-CN" altLang="en-US"/>
           </a:p>
         </p:txBody>
       </p:sp>
@@ -2866,10 +2996,12 @@
             <a:off x="3028950" y="6356351"/>
             <a:ext cx="3086100" cy="365125"/>
           </a:xfrm>
-          <a:prstGeom prst="rect"/>
+          <a:prstGeom prst="rect">
+            <a:avLst/>
+          </a:prstGeom>
         </p:spPr>
         <p:txBody>
-          <a:bodyPr anchor="ctr" bIns="45720" lIns="91440" rIns="91440" rtlCol="0" tIns="45720" vert="horz"/>
+          <a:bodyPr vert="horz" lIns="91440" tIns="45720" rIns="91440" bIns="45720" rtlCol="0" anchor="ctr"/>
           <a:lstStyle>
             <a:lvl1pPr algn="ctr">
               <a:defRPr sz="1200">
@@ -2882,7 +3014,7 @@
             </a:lvl1pPr>
           </a:lstStyle>
           <a:p>
-            <a:endParaRPr altLang="en-US" lang="zh-CN"/>
+            <a:endParaRPr lang="zh-CN" altLang="en-US"/>
           </a:p>
         </p:txBody>
       </p:sp>
@@ -2901,10 +3033,12 @@
             <a:off x="6457950" y="6356351"/>
             <a:ext cx="2057400" cy="365125"/>
           </a:xfrm>
-          <a:prstGeom prst="rect"/>
+          <a:prstGeom prst="rect">
+            <a:avLst/>
+          </a:prstGeom>
         </p:spPr>
         <p:txBody>
-          <a:bodyPr anchor="ctr" bIns="45720" lIns="91440" rIns="91440" rtlCol="0" tIns="45720" vert="horz"/>
+          <a:bodyPr vert="horz" lIns="91440" tIns="45720" rIns="91440" bIns="45720" rtlCol="0" anchor="ctr"/>
           <a:lstStyle>
             <a:lvl1pPr algn="r">
               <a:defRPr sz="1200">
@@ -2918,15 +3052,17 @@
           </a:lstStyle>
           <a:p>
             <a:fld id="{1C1A564D-84E6-4D0E-9D2B-1519760DAFCC}" type="slidenum">
-              <a:rPr altLang="en-US" lang="zh-CN" smtClean="0"/>
+              <a:rPr lang="zh-CN" altLang="en-US" smtClean="0"/>
+              <a:pPr/>
+              <a:t>‹#›</a:t>
             </a:fld>
-            <a:endParaRPr altLang="en-US" lang="zh-CN"/>
+            <a:endParaRPr lang="zh-CN" altLang="en-US"/>
           </a:p>
         </p:txBody>
       </p:sp>
     </p:spTree>
   </p:cSld>
-  <p:clrMap accent1="accent1" accent2="accent2" accent3="accent3" accent4="accent4" accent5="accent5" accent6="accent6" bg1="lt1" bg2="lt2" tx1="dk1" tx2="dk2" hlink="hlink" folHlink="folHlink"/>
+  <p:clrMap bg1="lt1" tx1="dk1" bg2="lt2" tx2="dk2" accent1="accent1" accent2="accent2" accent3="accent3" accent4="accent4" accent5="accent5" accent6="accent6" hlink="hlink" folHlink="folHlink"/>
   <p:sldLayoutIdLst>
     <p:sldLayoutId id="2147483649" r:id="rId1"/>
     <p:sldLayoutId id="2147483650" r:id="rId2"/>
@@ -2942,7 +3078,7 @@
   </p:sldLayoutIdLst>
   <p:txStyles>
     <p:titleStyle>
-      <a:lvl1pPr algn="l" defTabSz="914400" eaLnBrk="1" hangingPunct="1" latinLnBrk="0" rtl="0">
+      <a:lvl1pPr algn="l" defTabSz="914400" rtl="0" eaLnBrk="1" latinLnBrk="0" hangingPunct="1">
         <a:lnSpc>
           <a:spcPct val="90000"/>
         </a:lnSpc>
@@ -2961,7 +3097,7 @@
       </a:lvl1pPr>
     </p:titleStyle>
     <p:bodyStyle>
-      <a:lvl1pPr algn="l" defTabSz="914400" eaLnBrk="1" hangingPunct="1" indent="-228600" latinLnBrk="0" marL="228600" rtl="0">
+      <a:lvl1pPr marL="228600" indent="-228600" algn="l" defTabSz="914400" rtl="0" eaLnBrk="1" latinLnBrk="0" hangingPunct="1">
         <a:lnSpc>
           <a:spcPct val="90000"/>
         </a:lnSpc>
@@ -2979,7 +3115,7 @@
           <a:cs typeface="+mn-cs"/>
         </a:defRPr>
       </a:lvl1pPr>
-      <a:lvl2pPr algn="l" defTabSz="914400" eaLnBrk="1" hangingPunct="1" indent="-228600" latinLnBrk="0" marL="685800" rtl="0">
+      <a:lvl2pPr marL="685800" indent="-228600" algn="l" defTabSz="914400" rtl="0" eaLnBrk="1" latinLnBrk="0" hangingPunct="1">
         <a:lnSpc>
           <a:spcPct val="90000"/>
         </a:lnSpc>
@@ -2997,7 +3133,7 @@
           <a:cs typeface="+mn-cs"/>
         </a:defRPr>
       </a:lvl2pPr>
-      <a:lvl3pPr algn="l" defTabSz="914400" eaLnBrk="1" hangingPunct="1" indent="-228600" latinLnBrk="0" marL="1143000" rtl="0">
+      <a:lvl3pPr marL="1143000" indent="-228600" algn="l" defTabSz="914400" rtl="0" eaLnBrk="1" latinLnBrk="0" hangingPunct="1">
         <a:lnSpc>
           <a:spcPct val="90000"/>
         </a:lnSpc>
@@ -3015,7 +3151,7 @@
           <a:cs typeface="+mn-cs"/>
         </a:defRPr>
       </a:lvl3pPr>
-      <a:lvl4pPr algn="l" defTabSz="914400" eaLnBrk="1" hangingPunct="1" indent="-228600" latinLnBrk="0" marL="1600200" rtl="0">
+      <a:lvl4pPr marL="1600200" indent="-228600" algn="l" defTabSz="914400" rtl="0" eaLnBrk="1" latinLnBrk="0" hangingPunct="1">
         <a:lnSpc>
           <a:spcPct val="90000"/>
         </a:lnSpc>
@@ -3033,7 +3169,7 @@
           <a:cs typeface="+mn-cs"/>
         </a:defRPr>
       </a:lvl4pPr>
-      <a:lvl5pPr algn="l" defTabSz="914400" eaLnBrk="1" hangingPunct="1" indent="-228600" latinLnBrk="0" marL="2057400" rtl="0">
+      <a:lvl5pPr marL="2057400" indent="-228600" algn="l" defTabSz="914400" rtl="0" eaLnBrk="1" latinLnBrk="0" hangingPunct="1">
         <a:lnSpc>
           <a:spcPct val="90000"/>
         </a:lnSpc>
@@ -3051,7 +3187,7 @@
           <a:cs typeface="+mn-cs"/>
         </a:defRPr>
       </a:lvl5pPr>
-      <a:lvl6pPr algn="l" defTabSz="914400" eaLnBrk="1" hangingPunct="1" indent="-228600" latinLnBrk="0" marL="2514600" rtl="0">
+      <a:lvl6pPr marL="2514600" indent="-228600" algn="l" defTabSz="914400" rtl="0" eaLnBrk="1" latinLnBrk="0" hangingPunct="1">
         <a:lnSpc>
           <a:spcPct val="90000"/>
         </a:lnSpc>
@@ -3069,7 +3205,7 @@
           <a:cs typeface="+mn-cs"/>
         </a:defRPr>
       </a:lvl6pPr>
-      <a:lvl7pPr algn="l" defTabSz="914400" eaLnBrk="1" hangingPunct="1" indent="-228600" latinLnBrk="0" marL="2971800" rtl="0">
+      <a:lvl7pPr marL="2971800" indent="-228600" algn="l" defTabSz="914400" rtl="0" eaLnBrk="1" latinLnBrk="0" hangingPunct="1">
         <a:lnSpc>
           <a:spcPct val="90000"/>
         </a:lnSpc>
@@ -3087,7 +3223,7 @@
           <a:cs typeface="+mn-cs"/>
         </a:defRPr>
       </a:lvl7pPr>
-      <a:lvl8pPr algn="l" defTabSz="914400" eaLnBrk="1" hangingPunct="1" indent="-228600" latinLnBrk="0" marL="3429000" rtl="0">
+      <a:lvl8pPr marL="3429000" indent="-228600" algn="l" defTabSz="914400" rtl="0" eaLnBrk="1" latinLnBrk="0" hangingPunct="1">
         <a:lnSpc>
           <a:spcPct val="90000"/>
         </a:lnSpc>
@@ -3105,7 +3241,7 @@
           <a:cs typeface="+mn-cs"/>
         </a:defRPr>
       </a:lvl8pPr>
-      <a:lvl9pPr algn="l" defTabSz="914400" eaLnBrk="1" hangingPunct="1" indent="-228600" latinLnBrk="0" marL="3886200" rtl="0">
+      <a:lvl9pPr marL="3886200" indent="-228600" algn="l" defTabSz="914400" rtl="0" eaLnBrk="1" latinLnBrk="0" hangingPunct="1">
         <a:lnSpc>
           <a:spcPct val="90000"/>
         </a:lnSpc>
@@ -3128,7 +3264,7 @@
       <a:defPPr>
         <a:defRPr lang="en-US"/>
       </a:defPPr>
-      <a:lvl1pPr algn="l" defTabSz="914400" eaLnBrk="1" hangingPunct="1" latinLnBrk="0" marL="0" rtl="0">
+      <a:lvl1pPr marL="0" algn="l" defTabSz="914400" rtl="0" eaLnBrk="1" latinLnBrk="0" hangingPunct="1">
         <a:defRPr sz="1800" kern="1200">
           <a:solidFill>
             <a:schemeClr val="tx1"/>
@@ -3138,7 +3274,7 @@
           <a:cs typeface="+mn-cs"/>
         </a:defRPr>
       </a:lvl1pPr>
-      <a:lvl2pPr algn="l" defTabSz="914400" eaLnBrk="1" hangingPunct="1" latinLnBrk="0" marL="457200" rtl="0">
+      <a:lvl2pPr marL="457200" algn="l" defTabSz="914400" rtl="0" eaLnBrk="1" latinLnBrk="0" hangingPunct="1">
         <a:defRPr sz="1800" kern="1200">
           <a:solidFill>
             <a:schemeClr val="tx1"/>
@@ -3148,7 +3284,7 @@
           <a:cs typeface="+mn-cs"/>
         </a:defRPr>
       </a:lvl2pPr>
-      <a:lvl3pPr algn="l" defTabSz="914400" eaLnBrk="1" hangingPunct="1" latinLnBrk="0" marL="914400" rtl="0">
+      <a:lvl3pPr marL="914400" algn="l" defTabSz="914400" rtl="0" eaLnBrk="1" latinLnBrk="0" hangingPunct="1">
         <a:defRPr sz="1800" kern="1200">
           <a:solidFill>
             <a:schemeClr val="tx1"/>
@@ -3158,7 +3294,7 @@
           <a:cs typeface="+mn-cs"/>
         </a:defRPr>
       </a:lvl3pPr>
-      <a:lvl4pPr algn="l" defTabSz="914400" eaLnBrk="1" hangingPunct="1" latinLnBrk="0" marL="1371600" rtl="0">
+      <a:lvl4pPr marL="1371600" algn="l" defTabSz="914400" rtl="0" eaLnBrk="1" latinLnBrk="0" hangingPunct="1">
         <a:defRPr sz="1800" kern="1200">
           <a:solidFill>
             <a:schemeClr val="tx1"/>
@@ -3168,7 +3304,7 @@
           <a:cs typeface="+mn-cs"/>
         </a:defRPr>
       </a:lvl4pPr>
-      <a:lvl5pPr algn="l" defTabSz="914400" eaLnBrk="1" hangingPunct="1" latinLnBrk="0" marL="1828800" rtl="0">
+      <a:lvl5pPr marL="1828800" algn="l" defTabSz="914400" rtl="0" eaLnBrk="1" latinLnBrk="0" hangingPunct="1">
         <a:defRPr sz="1800" kern="1200">
           <a:solidFill>
             <a:schemeClr val="tx1"/>
@@ -3178,7 +3314,7 @@
           <a:cs typeface="+mn-cs"/>
         </a:defRPr>
       </a:lvl5pPr>
-      <a:lvl6pPr algn="l" defTabSz="914400" eaLnBrk="1" hangingPunct="1" latinLnBrk="0" marL="2286000" rtl="0">
+      <a:lvl6pPr marL="2286000" algn="l" defTabSz="914400" rtl="0" eaLnBrk="1" latinLnBrk="0" hangingPunct="1">
         <a:defRPr sz="1800" kern="1200">
           <a:solidFill>
             <a:schemeClr val="tx1"/>
@@ -3188,7 +3324,7 @@
           <a:cs typeface="+mn-cs"/>
         </a:defRPr>
       </a:lvl6pPr>
-      <a:lvl7pPr algn="l" defTabSz="914400" eaLnBrk="1" hangingPunct="1" latinLnBrk="0" marL="2743200" rtl="0">
+      <a:lvl7pPr marL="2743200" algn="l" defTabSz="914400" rtl="0" eaLnBrk="1" latinLnBrk="0" hangingPunct="1">
         <a:defRPr sz="1800" kern="1200">
           <a:solidFill>
             <a:schemeClr val="tx1"/>
@@ -3198,7 +3334,7 @@
           <a:cs typeface="+mn-cs"/>
         </a:defRPr>
       </a:lvl7pPr>
-      <a:lvl8pPr algn="l" defTabSz="914400" eaLnBrk="1" hangingPunct="1" latinLnBrk="0" marL="3200400" rtl="0">
+      <a:lvl8pPr marL="3200400" algn="l" defTabSz="914400" rtl="0" eaLnBrk="1" latinLnBrk="0" hangingPunct="1">
         <a:defRPr sz="1800" kern="1200">
           <a:solidFill>
             <a:schemeClr val="tx1"/>
@@ -3208,7 +3344,7 @@
           <a:cs typeface="+mn-cs"/>
         </a:defRPr>
       </a:lvl8pPr>
-      <a:lvl9pPr algn="l" defTabSz="914400" eaLnBrk="1" hangingPunct="1" latinLnBrk="0" marL="3657600" rtl="0">
+      <a:lvl9pPr marL="3657600" algn="l" defTabSz="914400" rtl="0" eaLnBrk="1" latinLnBrk="0" hangingPunct="1">
         <a:defRPr sz="1800" kern="1200">
           <a:solidFill>
             <a:schemeClr val="tx1"/>
@@ -3228,7 +3364,7 @@
   <p:cSld>
     <p:spTree>
       <p:nvGrpSpPr>
-        <p:cNvPr id="29" name=""/>
+        <p:cNvPr id="1" name=""/>
         <p:cNvGrpSpPr/>
         <p:nvPr/>
       </p:nvGrpSpPr>
@@ -3253,24 +3389,16 @@
         <p:spPr/>
         <p:txBody>
           <a:bodyPr/>
-          <a:p>
-            <a:r>
-              <a:rPr altLang="zh-CN" lang="en-US"/>
-              <a:t>flash</a:t>
-            </a:r>
-            <a:r>
-              <a:rPr altLang="zh-CN" lang="en-US"/>
-              <a:t> </a:t>
-            </a:r>
-            <a:r>
-              <a:rPr altLang="en-US" lang="zh-CN"/>
-              <a:t>语法</a:t>
-            </a:r>
-            <a:r>
-              <a:rPr altLang="en-US" lang="zh-CN"/>
-              <a:t>讲解</a:t>
-            </a:r>
-            <a:endParaRPr altLang="en-US" lang="zh-CN"/>
+          <a:lstStyle/>
+          <a:p>
+            <a:r>
+              <a:rPr lang="en-US" altLang="zh-CN"/>
+              <a:t>flash </a:t>
+            </a:r>
+            <a:r>
+              <a:rPr lang="zh-CN" altLang="en-US"/>
+              <a:t>语法讲解</a:t>
+            </a:r>
           </a:p>
         </p:txBody>
       </p:sp>
@@ -3292,8 +3420,9 @@
         </p:spPr>
         <p:txBody>
           <a:bodyPr/>
-          <a:p>
-            <a:endParaRPr altLang="en-US" lang="zh-CN"/>
+          <a:lstStyle/>
+          <a:p>
+            <a:endParaRPr lang="zh-CN" altLang="en-US"/>
           </a:p>
         </p:txBody>
       </p:sp>
@@ -3302,15 +3431,22 @@
   <p:clrMapOvr>
     <a:masterClrMapping/>
   </p:clrMapOvr>
+  <p:timing>
+    <p:tnLst>
+      <p:par>
+        <p:cTn id="1" dur="indefinite" restart="never" nodeType="tmRoot"/>
+      </p:par>
+    </p:tnLst>
+  </p:timing>
 </p:sld>
 </file>
 
-<file path=ppt/slides/slide2.xml><?xml version="1.0" encoding="utf-8"?>
+<file path=ppt/slides/slide10.xml><?xml version="1.0" encoding="utf-8"?>
 <p:sld xmlns:a="http://schemas.openxmlformats.org/drawingml/2006/main" xmlns:r="http://schemas.openxmlformats.org/officeDocument/2006/relationships" xmlns:p="http://schemas.openxmlformats.org/presentationml/2006/main">
   <p:cSld>
     <p:spTree>
       <p:nvGrpSpPr>
-        <p:cNvPr id="30" name=""/>
+        <p:cNvPr id="1" name=""/>
         <p:cNvGrpSpPr/>
         <p:nvPr/>
       </p:nvGrpSpPr>
@@ -3324,7 +3460,7 @@
       </p:grpSpPr>
       <p:sp>
         <p:nvSpPr>
-          <p:cNvPr id="1048601" name=""/>
+          <p:cNvPr id="2" name="标题 1"/>
           <p:cNvSpPr>
             <a:spLocks noGrp="1"/>
           </p:cNvSpPr>
@@ -3335,18 +3471,19 @@
         <p:spPr/>
         <p:txBody>
           <a:bodyPr/>
-          <a:p>
-            <a:r>
-              <a:rPr altLang="zh-CN" lang="en-US"/>
-              <a:t>if语句</a:t>
-            </a:r>
-            <a:endParaRPr lang="zh-CN"/>
-          </a:p>
-        </p:txBody>
-      </p:sp>
-      <p:sp>
-        <p:nvSpPr>
-          <p:cNvPr id="1048602" name=""/>
+          <a:lstStyle/>
+          <a:p>
+            <a:r>
+              <a:rPr lang="zh-CN" altLang="en-US" dirty="0" smtClean="0"/>
+              <a:t>库函数与自定函数</a:t>
+            </a:r>
+            <a:endParaRPr lang="zh-CN" altLang="en-US" dirty="0"/>
+          </a:p>
+        </p:txBody>
+      </p:sp>
+      <p:sp>
+        <p:nvSpPr>
+          <p:cNvPr id="3" name="内容占位符 2"/>
           <p:cNvSpPr>
             <a:spLocks noGrp="1"/>
           </p:cNvSpPr>
@@ -3357,113 +3494,45 @@
         <p:spPr/>
         <p:txBody>
           <a:bodyPr/>
-          <a:p>
-            <a:r>
-              <a:rPr altLang="en-US" lang="zh-CN"/>
-              <a:t>先写</a:t>
-            </a:r>
-            <a:r>
-              <a:rPr altLang="en-US" lang="zh-CN"/>
-              <a:t>正</a:t>
-            </a:r>
-            <a:r>
-              <a:rPr altLang="en-US" lang="zh-CN"/>
-              <a:t>常</a:t>
-            </a:r>
-            <a:r>
-              <a:rPr altLang="en-US" lang="zh-CN"/>
-              <a:t>的</a:t>
-            </a:r>
-            <a:r>
-              <a:rPr altLang="en-US" lang="zh-CN"/>
-              <a:t>代码</a:t>
-            </a:r>
-            <a:r>
-              <a:rPr altLang="en-US" lang="zh-CN"/>
-              <a:t>，</a:t>
-            </a:r>
-            <a:r>
-              <a:rPr altLang="en-US" lang="zh-CN"/>
-              <a:t>再</a:t>
-            </a:r>
-            <a:r>
-              <a:rPr altLang="en-US" lang="zh-CN"/>
-              <a:t>处理</a:t>
-            </a:r>
-            <a:r>
-              <a:rPr altLang="en-US" lang="zh-CN"/>
-              <a:t>不</a:t>
-            </a:r>
-            <a:r>
-              <a:rPr altLang="en-US" lang="zh-CN"/>
-              <a:t>常见</a:t>
-            </a:r>
-            <a:r>
-              <a:rPr altLang="en-US" lang="zh-CN"/>
-              <a:t>情况</a:t>
-            </a:r>
-            <a:r>
-              <a:rPr altLang="en-US" lang="zh-CN"/>
+          <a:lstStyle/>
+          <a:p>
+            <a:r>
+              <a:rPr lang="en-US" altLang="zh-CN" dirty="0" smtClean="0"/>
+              <a:t>as3</a:t>
+            </a:r>
+            <a:r>
+              <a:rPr lang="en-US" altLang="zh-CN" dirty="0" smtClean="0"/>
+              <a:t>.0</a:t>
+            </a:r>
+            <a:r>
+              <a:rPr lang="zh-CN" altLang="zh-CN" dirty="0" smtClean="0"/>
+              <a:t>语言本身带了很多库函数，并分门别类地放在了不同的文件中，使用时只要引入对应的文件即可</a:t>
+            </a:r>
+            <a:r>
+              <a:rPr lang="zh-CN" altLang="zh-CN" dirty="0" smtClean="0"/>
               <a:t>。</a:t>
             </a:r>
-            <a:endParaRPr lang="zh-CN"/>
-          </a:p>
-          <a:p>
-            <a:r>
-              <a:rPr altLang="en-US" lang="zh-CN"/>
-              <a:t>确保</a:t>
-            </a:r>
-            <a:r>
-              <a:rPr altLang="en-US" lang="zh-CN"/>
-              <a:t>对于</a:t>
-            </a:r>
-            <a:r>
-              <a:rPr altLang="en-US" lang="zh-CN"/>
-              <a:t>等量</a:t>
-            </a:r>
-            <a:r>
-              <a:rPr altLang="en-US" lang="zh-CN"/>
-              <a:t>的</a:t>
-            </a:r>
-            <a:r>
-              <a:rPr altLang="en-US" lang="zh-CN"/>
-              <a:t>分支</a:t>
-            </a:r>
-            <a:r>
-              <a:rPr altLang="en-US" lang="zh-CN"/>
-              <a:t>是</a:t>
-            </a:r>
-            <a:r>
-              <a:rPr altLang="en-US" lang="zh-CN"/>
-              <a:t>正确</a:t>
-            </a:r>
-            <a:r>
-              <a:rPr altLang="en-US" lang="zh-CN"/>
-              <a:t>的</a:t>
-            </a:r>
-            <a:endParaRPr lang="zh-CN"/>
-          </a:p>
-          <a:p>
-            <a:r>
-              <a:rPr altLang="en-US" lang="zh-CN"/>
-              <a:t>考虑</a:t>
-            </a:r>
-            <a:r>
-              <a:rPr altLang="zh-CN" lang="en-US"/>
-              <a:t>else</a:t>
-            </a:r>
-            <a:r>
-              <a:rPr altLang="en-US" lang="zh-CN"/>
-              <a:t>子</a:t>
-            </a:r>
-            <a:r>
-              <a:rPr altLang="en-US" lang="zh-CN"/>
-              <a:t>句</a:t>
-            </a:r>
-            <a:endParaRPr lang="zh-CN"/>
-          </a:p>
-          <a:p>
-            <a:endParaRPr lang="zh-CN"/>
+            <a:endParaRPr lang="en-US" altLang="zh-CN" dirty="0" smtClean="0"/>
+          </a:p>
+          <a:p>
+            <a:r>
+              <a:rPr lang="zh-CN" altLang="zh-CN" dirty="0" smtClean="0"/>
+              <a:t>
+</a:t>
+            </a:r>
+            <a:r>
+              <a:rPr lang="zh-CN" altLang="zh-CN" dirty="0" smtClean="0"/>
+              <a:t>除了</a:t>
+            </a:r>
+            <a:r>
+              <a:rPr lang="en-US" altLang="zh-CN" dirty="0" smtClean="0"/>
+              <a:t>as3.0</a:t>
+            </a:r>
+            <a:r>
+              <a:rPr lang="zh-CN" altLang="zh-CN" dirty="0" smtClean="0"/>
+              <a:t>语言自带的函数，我们也可以编写自己的函数，称为自定义函数（User-Defined Function）。自定义函数和库函数没有本质的区别，表现形式和使用方法一样，只是开发者不同而已。</a:t>
+            </a:r>
+            <a:endParaRPr lang="zh-CN" altLang="en-US" dirty="0"/>
           </a:p>
         </p:txBody>
       </p:sp>
@@ -3472,15 +3541,22 @@
   <p:clrMapOvr>
     <a:masterClrMapping/>
   </p:clrMapOvr>
+  <p:timing>
+    <p:tnLst>
+      <p:par>
+        <p:cTn id="1" dur="indefinite" restart="never" nodeType="tmRoot"/>
+      </p:par>
+    </p:tnLst>
+  </p:timing>
 </p:sld>
 </file>
 
-<file path=ppt/slides/slide3.xml><?xml version="1.0" encoding="utf-8"?>
+<file path=ppt/slides/slide11.xml><?xml version="1.0" encoding="utf-8"?>
 <p:sld xmlns:a="http://schemas.openxmlformats.org/drawingml/2006/main" xmlns:r="http://schemas.openxmlformats.org/officeDocument/2006/relationships" xmlns:p="http://schemas.openxmlformats.org/presentationml/2006/main">
   <p:cSld>
     <p:spTree>
       <p:nvGrpSpPr>
-        <p:cNvPr id="31" name=""/>
+        <p:cNvPr id="1" name=""/>
         <p:cNvGrpSpPr/>
         <p:nvPr/>
       </p:nvGrpSpPr>
@@ -3494,7 +3570,7 @@
       </p:grpSpPr>
       <p:sp>
         <p:nvSpPr>
-          <p:cNvPr id="1048603" name=""/>
+          <p:cNvPr id="2" name="标题 1"/>
           <p:cNvSpPr>
             <a:spLocks noGrp="1"/>
           </p:cNvSpPr>
@@ -3505,30 +3581,19 @@
         <p:spPr/>
         <p:txBody>
           <a:bodyPr/>
-          <a:p>
-            <a:r>
-              <a:rPr altLang="zh-CN" lang="en-US"/>
-              <a:t>if</a:t>
-            </a:r>
-            <a:r>
-              <a:rPr altLang="en-US" lang="zh-CN"/>
-              <a:t>…</a:t>
-            </a:r>
-            <a:r>
-              <a:rPr altLang="zh-CN" lang="en-US"/>
-              <a:t>else</a:t>
-            </a:r>
-            <a:r>
-              <a:rPr altLang="en-US" lang="zh-CN"/>
-              <a:t>语句</a:t>
-            </a:r>
-            <a:endParaRPr lang="zh-CN"/>
-          </a:p>
-        </p:txBody>
-      </p:sp>
-      <p:sp>
-        <p:nvSpPr>
-          <p:cNvPr id="1048604" name=""/>
+          <a:lstStyle/>
+          <a:p>
+            <a:r>
+              <a:rPr lang="zh-CN" altLang="en-US" dirty="0" smtClean="0"/>
+              <a:t>测试及调试</a:t>
+            </a:r>
+            <a:endParaRPr lang="zh-CN" altLang="en-US" dirty="0"/>
+          </a:p>
+        </p:txBody>
+      </p:sp>
+      <p:sp>
+        <p:nvSpPr>
+          <p:cNvPr id="3" name="内容占位符 2"/>
           <p:cNvSpPr>
             <a:spLocks noGrp="1"/>
           </p:cNvSpPr>
@@ -3539,106 +3604,9 @@
         <p:spPr/>
         <p:txBody>
           <a:bodyPr/>
-          <a:p>
-            <a:r>
-              <a:rPr altLang="en-US" lang="zh-CN"/>
-              <a:t>用</a:t>
-            </a:r>
-            <a:r>
-              <a:rPr altLang="en-US" lang="zh-CN"/>
-              <a:t>布尔</a:t>
-            </a:r>
-            <a:r>
-              <a:rPr altLang="en-US" lang="zh-CN"/>
-              <a:t>函数</a:t>
-            </a:r>
-            <a:r>
-              <a:rPr altLang="en-US" lang="zh-CN"/>
-              <a:t>简化</a:t>
-            </a:r>
-            <a:r>
-              <a:rPr altLang="en-US" lang="zh-CN"/>
-              <a:t>复杂</a:t>
-            </a:r>
-            <a:r>
-              <a:rPr altLang="en-US" lang="zh-CN"/>
-              <a:t>的</a:t>
-            </a:r>
-            <a:r>
-              <a:rPr altLang="en-US" lang="zh-CN"/>
-              <a:t>检测</a:t>
-            </a:r>
-            <a:endParaRPr lang="zh-CN"/>
-          </a:p>
-          <a:p>
-            <a:r>
-              <a:rPr altLang="en-US" lang="zh-CN"/>
-              <a:t>确保</a:t>
-            </a:r>
-            <a:r>
-              <a:rPr altLang="en-US" lang="zh-CN"/>
-              <a:t>所有</a:t>
-            </a:r>
-            <a:r>
-              <a:rPr altLang="en-US" lang="zh-CN"/>
-              <a:t>的</a:t>
-            </a:r>
-            <a:r>
-              <a:rPr altLang="en-US" lang="zh-CN"/>
-              <a:t>情况</a:t>
-            </a:r>
-            <a:r>
-              <a:rPr altLang="en-US" lang="zh-CN"/>
-              <a:t>都</a:t>
-            </a:r>
-            <a:r>
-              <a:rPr altLang="en-US" lang="zh-CN"/>
-              <a:t>考虑</a:t>
-            </a:r>
-            <a:r>
-              <a:rPr altLang="en-US" lang="zh-CN"/>
-              <a:t>到了</a:t>
-            </a:r>
-            <a:endParaRPr lang="zh-CN"/>
-          </a:p>
-          <a:p>
-            <a:r>
-              <a:rPr altLang="en-US" lang="zh-CN"/>
-              <a:t>如果</a:t>
-            </a:r>
-            <a:r>
-              <a:rPr altLang="en-US" lang="zh-CN"/>
-              <a:t>语言</a:t>
-            </a:r>
-            <a:r>
-              <a:rPr altLang="en-US" lang="zh-CN"/>
-              <a:t>支持</a:t>
-            </a:r>
-            <a:r>
-              <a:rPr altLang="en-US" lang="zh-CN"/>
-              <a:t>，</a:t>
-            </a:r>
-            <a:r>
-              <a:rPr altLang="en-US" lang="zh-CN"/>
-              <a:t>用其他</a:t>
-            </a:r>
-            <a:r>
-              <a:rPr altLang="en-US" lang="zh-CN"/>
-              <a:t>结果</a:t>
-            </a:r>
-            <a:r>
-              <a:rPr altLang="en-US" lang="zh-CN"/>
-              <a:t>替换</a:t>
-            </a:r>
-            <a:r>
-              <a:rPr altLang="en-US" lang="zh-CN"/>
-              <a:t>此</a:t>
-            </a:r>
-            <a:r>
-              <a:rPr altLang="en-US" lang="zh-CN"/>
-              <a:t>语句</a:t>
-            </a:r>
-            <a:endParaRPr lang="zh-CN"/>
+          <a:lstStyle/>
+          <a:p>
+            <a:endParaRPr lang="zh-CN" altLang="en-US"/>
           </a:p>
         </p:txBody>
       </p:sp>
@@ -3647,15 +3615,22 @@
   <p:clrMapOvr>
     <a:masterClrMapping/>
   </p:clrMapOvr>
+  <p:timing>
+    <p:tnLst>
+      <p:par>
+        <p:cTn id="1" dur="indefinite" restart="never" nodeType="tmRoot"/>
+      </p:par>
+    </p:tnLst>
+  </p:timing>
 </p:sld>
 </file>
 
-<file path=ppt/slides/slide4.xml><?xml version="1.0" encoding="utf-8"?>
+<file path=ppt/slides/slide12.xml><?xml version="1.0" encoding="utf-8"?>
 <p:sld xmlns:a="http://schemas.openxmlformats.org/drawingml/2006/main" xmlns:r="http://schemas.openxmlformats.org/officeDocument/2006/relationships" xmlns:p="http://schemas.openxmlformats.org/presentationml/2006/main">
   <p:cSld>
     <p:spTree>
       <p:nvGrpSpPr>
-        <p:cNvPr id="32" name=""/>
+        <p:cNvPr id="1" name=""/>
         <p:cNvGrpSpPr/>
         <p:nvPr/>
       </p:nvGrpSpPr>
@@ -3669,7 +3644,7 @@
       </p:grpSpPr>
       <p:sp>
         <p:nvSpPr>
-          <p:cNvPr id="1048605" name=""/>
+          <p:cNvPr id="2" name="标题 1"/>
           <p:cNvSpPr>
             <a:spLocks noGrp="1"/>
           </p:cNvSpPr>
@@ -3680,22 +3655,19 @@
         <p:spPr/>
         <p:txBody>
           <a:bodyPr/>
-          <a:p>
-            <a:r>
-              <a:rPr altLang="en-US" lang="zh-CN"/>
-              <a:t>控制</a:t>
-            </a:r>
-            <a:r>
-              <a:rPr altLang="en-US" lang="zh-CN"/>
-              <a:t>循环</a:t>
-            </a:r>
-            <a:endParaRPr lang="zh-CN"/>
-          </a:p>
-        </p:txBody>
-      </p:sp>
-      <p:sp>
-        <p:nvSpPr>
-          <p:cNvPr id="1048606" name=""/>
+          <a:lstStyle/>
+          <a:p>
+            <a:r>
+              <a:rPr lang="zh-CN" altLang="en-US" dirty="0" smtClean="0"/>
+              <a:t>排序算法</a:t>
+            </a:r>
+            <a:endParaRPr lang="zh-CN" altLang="en-US" dirty="0"/>
+          </a:p>
+        </p:txBody>
+      </p:sp>
+      <p:sp>
+        <p:nvSpPr>
+          <p:cNvPr id="3" name="内容占位符 2"/>
           <p:cNvSpPr>
             <a:spLocks noGrp="1"/>
           </p:cNvSpPr>
@@ -3705,78 +3677,53 @@
         </p:nvSpPr>
         <p:spPr/>
         <p:txBody>
-          <a:bodyPr/>
-          <a:p>
-            <a:r>
-              <a:rPr altLang="en-US" lang="zh-CN"/>
-              <a:t>循环</a:t>
-            </a:r>
-            <a:r>
-              <a:rPr altLang="en-US" lang="zh-CN"/>
-              <a:t>的</a:t>
-            </a:r>
-            <a:r>
-              <a:rPr altLang="en-US" lang="zh-CN"/>
-              <a:t>种类</a:t>
-            </a:r>
-            <a:endParaRPr lang="zh-CN"/>
-          </a:p>
-          <a:p>
-            <a:r>
-              <a:rPr altLang="en-US" lang="zh-CN"/>
-              <a:t>循环</a:t>
-            </a:r>
-            <a:r>
-              <a:rPr altLang="en-US" lang="zh-CN"/>
-              <a:t>的</a:t>
-            </a:r>
-            <a:r>
-              <a:rPr altLang="en-US" lang="zh-CN"/>
-              <a:t>控制</a:t>
-            </a:r>
-            <a:endParaRPr lang="zh-CN"/>
-          </a:p>
-          <a:p>
-            <a:r>
-              <a:rPr altLang="en-US" lang="zh-CN"/>
-              <a:t>循环</a:t>
-            </a:r>
-            <a:r>
-              <a:rPr altLang="en-US" lang="zh-CN"/>
-              <a:t>的</a:t>
-            </a:r>
-            <a:r>
-              <a:rPr altLang="en-US" lang="zh-CN"/>
-              <a:t>构建</a:t>
-            </a:r>
-            <a:endParaRPr lang="zh-CN"/>
-          </a:p>
-          <a:p>
-            <a:r>
-              <a:rPr altLang="en-US" lang="zh-CN"/>
-              <a:t>循环</a:t>
-            </a:r>
-            <a:r>
-              <a:rPr altLang="en-US" lang="zh-CN"/>
-              <a:t>和</a:t>
-            </a:r>
-            <a:r>
-              <a:rPr altLang="en-US" lang="zh-CN"/>
-              <a:t>数</a:t>
-            </a:r>
-            <a:r>
-              <a:rPr altLang="en-US" lang="zh-CN"/>
-              <a:t>组</a:t>
-            </a:r>
-            <a:r>
-              <a:rPr altLang="en-US" lang="zh-CN"/>
-              <a:t>的</a:t>
-            </a:r>
-            <a:r>
-              <a:rPr altLang="en-US" lang="zh-CN"/>
-              <a:t>关系</a:t>
-            </a:r>
-            <a:endParaRPr lang="zh-CN"/>
+          <a:bodyPr>
+            <a:normAutofit lnSpcReduction="10000"/>
+          </a:bodyPr>
+          <a:lstStyle/>
+          <a:p>
+            <a:r>
+              <a:rPr lang="zh-CN" altLang="en-US" dirty="0" smtClean="0"/>
+              <a:t>冒泡算法</a:t>
+            </a:r>
+            <a:endParaRPr lang="en-US" altLang="zh-CN" dirty="0" smtClean="0"/>
+          </a:p>
+          <a:p>
+            <a:r>
+              <a:rPr lang="zh-CN" altLang="en-US" dirty="0" smtClean="0"/>
+              <a:t>冒泡排序</a:t>
+            </a:r>
+            <a:r>
+              <a:rPr lang="zh-CN" altLang="en-US" dirty="0" smtClean="0"/>
+              <a:t>算法的运作如下：</a:t>
+            </a:r>
+          </a:p>
+          <a:p>
+            <a:r>
+              <a:rPr lang="zh-CN" altLang="en-US" dirty="0" smtClean="0"/>
+              <a:t>比较相邻的元素，如果前一个比后一个大，就把它们两个调换位置。</a:t>
+            </a:r>
+          </a:p>
+          <a:p>
+            <a:r>
+              <a:rPr lang="zh-CN" altLang="en-US" dirty="0" smtClean="0"/>
+              <a:t>对每一对相邻元素作同样的工作，从开始第一对到结尾的最后一对。这步做完后，最后的元素会是最大的数。</a:t>
+            </a:r>
+          </a:p>
+          <a:p>
+            <a:r>
+              <a:rPr lang="zh-CN" altLang="en-US" dirty="0" smtClean="0"/>
+              <a:t>针对所有的元素重复以上的步骤，除了最后一个。</a:t>
+            </a:r>
+          </a:p>
+          <a:p>
+            <a:r>
+              <a:rPr lang="zh-CN" altLang="en-US" dirty="0" smtClean="0"/>
+              <a:t>持续每次对越来越少的元素重复上面的步骤，直到没有任何一对数字需要比较。</a:t>
+            </a:r>
+          </a:p>
+          <a:p>
+            <a:endParaRPr lang="zh-CN" altLang="en-US" dirty="0"/>
           </a:p>
         </p:txBody>
       </p:sp>
@@ -3785,15 +3732,22 @@
   <p:clrMapOvr>
     <a:masterClrMapping/>
   </p:clrMapOvr>
+  <p:timing>
+    <p:tnLst>
+      <p:par>
+        <p:cTn id="1" dur="indefinite" restart="never" nodeType="tmRoot"/>
+      </p:par>
+    </p:tnLst>
+  </p:timing>
 </p:sld>
 </file>
 
-<file path=ppt/slides/slide5.xml><?xml version="1.0" encoding="utf-8"?>
+<file path=ppt/slides/slide13.xml><?xml version="1.0" encoding="utf-8"?>
 <p:sld xmlns:a="http://schemas.openxmlformats.org/drawingml/2006/main" xmlns:r="http://schemas.openxmlformats.org/officeDocument/2006/relationships" xmlns:p="http://schemas.openxmlformats.org/presentationml/2006/main">
   <p:cSld>
     <p:spTree>
       <p:nvGrpSpPr>
-        <p:cNvPr id="33" name=""/>
+        <p:cNvPr id="1" name=""/>
         <p:cNvGrpSpPr/>
         <p:nvPr/>
       </p:nvGrpSpPr>
@@ -3807,7 +3761,7 @@
       </p:grpSpPr>
       <p:sp>
         <p:nvSpPr>
-          <p:cNvPr id="1048607" name=""/>
+          <p:cNvPr id="2" name="标题 1"/>
           <p:cNvSpPr>
             <a:spLocks noGrp="1"/>
           </p:cNvSpPr>
@@ -3818,132 +3772,61 @@
         <p:spPr/>
         <p:txBody>
           <a:bodyPr/>
-          <a:p>
-            <a:r>
-              <a:rPr altLang="en-US" lang="zh-CN"/>
-              <a:t>循环</a:t>
-            </a:r>
-            <a:r>
-              <a:rPr altLang="en-US" lang="zh-CN"/>
-              <a:t>的</a:t>
-            </a:r>
-            <a:r>
-              <a:rPr altLang="en-US" lang="zh-CN"/>
-              <a:t>种类</a:t>
-            </a:r>
-            <a:endParaRPr lang="zh-CN"/>
-          </a:p>
-        </p:txBody>
-      </p:sp>
-      <p:sp>
-        <p:nvSpPr>
-          <p:cNvPr id="1048608" name=""/>
-          <p:cNvSpPr>
-            <a:spLocks noGrp="1"/>
-          </p:cNvSpPr>
+          <a:lstStyle/>
+          <a:p>
+            <a:endParaRPr lang="zh-CN" altLang="en-US"/>
+          </a:p>
+        </p:txBody>
+      </p:sp>
+      <p:pic>
+        <p:nvPicPr>
+          <p:cNvPr id="1027" name="Picture 3" descr="C:\Users\User\Desktop\739525-20160329100034660-1420925220.gif"/>
+          <p:cNvPicPr>
+            <a:picLocks noGrp="1" noChangeAspect="1" noChangeArrowheads="1"/>
+          </p:cNvPicPr>
           <p:nvPr>
             <p:ph idx="1"/>
           </p:nvPr>
-        </p:nvSpPr>
-        <p:spPr/>
-        <p:txBody>
-          <a:bodyPr/>
-          <a:p>
-            <a:r>
-              <a:rPr altLang="zh-CN" lang="en-US"/>
-              <a:t>1</a:t>
-            </a:r>
-            <a:r>
-              <a:rPr altLang="zh-CN" lang="en-US"/>
-              <a:t>.</a:t>
-            </a:r>
-            <a:r>
-              <a:rPr altLang="en-US" lang="zh-CN"/>
-              <a:t>计数</a:t>
-            </a:r>
-            <a:r>
-              <a:rPr altLang="en-US" lang="zh-CN"/>
-              <a:t>循环</a:t>
-            </a:r>
-            <a:endParaRPr lang="zh-CN"/>
-          </a:p>
-          <a:p>
-            <a:r>
-              <a:rPr altLang="zh-CN" lang="en-US"/>
-              <a:t>2</a:t>
-            </a:r>
-            <a:r>
-              <a:rPr altLang="zh-CN" lang="en-US"/>
-              <a:t>.</a:t>
-            </a:r>
-            <a:r>
-              <a:rPr altLang="en-US" lang="zh-CN"/>
-              <a:t>连续</a:t>
-            </a:r>
-            <a:r>
-              <a:rPr altLang="en-US" lang="zh-CN"/>
-              <a:t>求值</a:t>
-            </a:r>
-            <a:r>
-              <a:rPr altLang="en-US" lang="zh-CN"/>
-              <a:t>循环</a:t>
-            </a:r>
-            <a:endParaRPr lang="zh-CN"/>
-          </a:p>
-          <a:p>
-            <a:r>
-              <a:rPr altLang="zh-CN" lang="en-US"/>
-              <a:t>3</a:t>
-            </a:r>
-            <a:r>
-              <a:rPr altLang="zh-CN" lang="en-US"/>
-              <a:t>.</a:t>
-            </a:r>
-            <a:r>
-              <a:rPr altLang="en-US" lang="zh-CN"/>
-              <a:t>无限</a:t>
-            </a:r>
-            <a:r>
-              <a:rPr altLang="en-US" lang="zh-CN"/>
-              <a:t>循环</a:t>
-            </a:r>
-            <a:endParaRPr lang="zh-CN"/>
-          </a:p>
-          <a:p>
-            <a:r>
-              <a:rPr altLang="zh-CN" lang="en-US"/>
-              <a:t>4</a:t>
-            </a:r>
-            <a:r>
-              <a:rPr altLang="zh-CN" lang="en-US"/>
-              <a:t>.</a:t>
-            </a:r>
-            <a:r>
-              <a:rPr altLang="en-US" lang="zh-CN"/>
-              <a:t>迭代</a:t>
-            </a:r>
-            <a:r>
-              <a:rPr altLang="en-US" lang="zh-CN"/>
-              <a:t>循环</a:t>
-            </a:r>
-            <a:endParaRPr lang="zh-CN"/>
-          </a:p>
-        </p:txBody>
-      </p:sp>
+        </p:nvPicPr>
+        <p:blipFill>
+          <a:blip r:embed="rId2" cstate="print"/>
+          <a:srcRect/>
+          <a:stretch>
+            <a:fillRect/>
+          </a:stretch>
+        </p:blipFill>
+        <p:spPr bwMode="auto">
+          <a:xfrm>
+            <a:off x="3252787" y="2777331"/>
+            <a:ext cx="2638425" cy="2447925"/>
+          </a:xfrm>
+          <a:prstGeom prst="rect">
+            <a:avLst/>
+          </a:prstGeom>
+          <a:noFill/>
+        </p:spPr>
+      </p:pic>
     </p:spTree>
   </p:cSld>
   <p:clrMapOvr>
     <a:masterClrMapping/>
   </p:clrMapOvr>
+  <p:timing>
+    <p:tnLst>
+      <p:par>
+        <p:cTn id="1" dur="indefinite" restart="never" nodeType="tmRoot"/>
+      </p:par>
+    </p:tnLst>
+  </p:timing>
 </p:sld>
 </file>
 
-<file path=ppt/slides/slide6.xml><?xml version="1.0" encoding="utf-8"?>
+<file path=ppt/slides/slide2.xml><?xml version="1.0" encoding="utf-8"?>
 <p:sld xmlns:a="http://schemas.openxmlformats.org/drawingml/2006/main" xmlns:r="http://schemas.openxmlformats.org/officeDocument/2006/relationships" xmlns:p="http://schemas.openxmlformats.org/presentationml/2006/main">
   <p:cSld>
     <p:spTree>
       <p:nvGrpSpPr>
-        <p:cNvPr id="27" name=""/>
+        <p:cNvPr id="1" name=""/>
         <p:cNvGrpSpPr/>
         <p:nvPr/>
       </p:nvGrpSpPr>
@@ -3957,7 +3840,7 @@
       </p:grpSpPr>
       <p:sp>
         <p:nvSpPr>
-          <p:cNvPr id="1048592" name=""/>
+          <p:cNvPr id="1048601" name="标题 1048600"/>
           <p:cNvSpPr>
             <a:spLocks noGrp="1"/>
           </p:cNvSpPr>
@@ -3968,18 +3851,11 @@
         <p:spPr/>
         <p:txBody>
           <a:bodyPr/>
-          <a:p>
-            <a:r>
-              <a:rPr altLang="en-US" lang="zh-CN"/>
-              <a:t>循环</a:t>
-            </a:r>
-            <a:r>
-              <a:rPr altLang="en-US" lang="zh-CN"/>
-              <a:t>的</a:t>
-            </a:r>
-            <a:r>
-              <a:rPr altLang="en-US" lang="zh-CN"/>
-              <a:t>控制</a:t>
+          <a:lstStyle/>
+          <a:p>
+            <a:r>
+              <a:rPr lang="en-US" altLang="zh-CN"/>
+              <a:t>if语句</a:t>
             </a:r>
             <a:endParaRPr lang="zh-CN"/>
           </a:p>
@@ -3987,7 +3863,7 @@
       </p:sp>
       <p:sp>
         <p:nvSpPr>
-          <p:cNvPr id="1048593" name=""/>
+          <p:cNvPr id="1048602" name="内容占位符 1048601"/>
           <p:cNvSpPr>
             <a:spLocks noGrp="1"/>
           </p:cNvSpPr>
@@ -3997,253 +3873,39 @@
         </p:nvSpPr>
         <p:spPr/>
         <p:txBody>
-          <a:bodyPr>
-            <a:normAutofit/>
-          </a:bodyPr>
-          <a:p>
-            <a:r>
-              <a:rPr altLang="en-US" sz="2500" lang="zh-CN"/>
-              <a:t>进入</a:t>
-            </a:r>
-            <a:r>
-              <a:rPr altLang="en-US" sz="2500" lang="zh-CN"/>
-              <a:t>循环</a:t>
-            </a:r>
-            <a:endParaRPr sz="2500" lang="zh-CN"/>
-          </a:p>
-          <a:p>
-            <a:r>
-              <a:rPr altLang="zh-CN" sz="2500" lang="en-US"/>
-              <a:t> </a:t>
-            </a:r>
-            <a:r>
-              <a:rPr altLang="en-US" sz="2500" lang="zh-CN"/>
-              <a:t>只从</a:t>
-            </a:r>
-            <a:r>
-              <a:rPr altLang="en-US" sz="2500" lang="zh-CN"/>
-              <a:t>一个</a:t>
-            </a:r>
-            <a:r>
-              <a:rPr altLang="en-US" sz="2500" lang="zh-CN"/>
-              <a:t>地方</a:t>
-            </a:r>
-            <a:r>
-              <a:rPr altLang="en-US" sz="2500" lang="zh-CN"/>
-              <a:t>进入</a:t>
-            </a:r>
-            <a:endParaRPr sz="2500" lang="zh-CN"/>
-          </a:p>
-          <a:p>
-            <a:r>
-              <a:rPr altLang="zh-CN" sz="2500" lang="en-US"/>
-              <a:t> </a:t>
-            </a:r>
-            <a:r>
-              <a:rPr altLang="en-US" sz="2500" lang="zh-CN"/>
-              <a:t>初始化</a:t>
-            </a:r>
-            <a:r>
-              <a:rPr altLang="en-US" sz="2500" lang="zh-CN"/>
-              <a:t>放在</a:t>
-            </a:r>
-            <a:r>
-              <a:rPr altLang="en-US" sz="2500" lang="zh-CN"/>
-              <a:t>循环</a:t>
-            </a:r>
-            <a:r>
-              <a:rPr altLang="en-US" sz="2500" lang="zh-CN"/>
-              <a:t>前</a:t>
-            </a:r>
-            <a:endParaRPr sz="2500" lang="zh-CN"/>
-          </a:p>
-          <a:p>
-            <a:r>
-              <a:rPr altLang="zh-CN" sz="2500" lang="en-US"/>
-              <a:t> </a:t>
-            </a:r>
-            <a:r>
-              <a:rPr altLang="zh-CN" sz="2500" lang="en-US"/>
-              <a:t>while</a:t>
-            </a:r>
-            <a:r>
-              <a:rPr altLang="en-US" sz="2500" lang="zh-CN"/>
-              <a:t>（</a:t>
-            </a:r>
-            <a:r>
-              <a:rPr altLang="zh-CN" sz="2500" lang="en-US"/>
-              <a:t>true</a:t>
-            </a:r>
-            <a:r>
-              <a:rPr altLang="en-US" sz="2500" lang="zh-CN"/>
-              <a:t>）</a:t>
-            </a:r>
-            <a:r>
-              <a:rPr altLang="en-US" sz="2500" lang="zh-CN"/>
-              <a:t>表示</a:t>
-            </a:r>
-            <a:r>
-              <a:rPr altLang="en-US" sz="2500" lang="zh-CN"/>
-              <a:t>无限</a:t>
-            </a:r>
-            <a:r>
-              <a:rPr altLang="en-US" sz="2500" lang="zh-CN"/>
-              <a:t>循环</a:t>
-            </a:r>
-            <a:endParaRPr sz="2500" lang="zh-CN"/>
-          </a:p>
-          <a:p>
-            <a:r>
-              <a:rPr altLang="zh-CN" sz="2500" lang="en-US"/>
-              <a:t> </a:t>
-            </a:r>
-            <a:r>
-              <a:rPr altLang="en-US" sz="2500" lang="zh-CN"/>
-              <a:t>在</a:t>
-            </a:r>
-            <a:r>
-              <a:rPr altLang="en-US" sz="2500" lang="zh-CN"/>
-              <a:t>适当</a:t>
-            </a:r>
-            <a:r>
-              <a:rPr altLang="en-US" sz="2500" lang="zh-CN"/>
-              <a:t>的</a:t>
-            </a:r>
-            <a:r>
-              <a:rPr altLang="en-US" sz="2500" lang="zh-CN"/>
-              <a:t>情况</a:t>
-            </a:r>
-            <a:r>
-              <a:rPr altLang="en-US" sz="2500" lang="zh-CN"/>
-              <a:t>下</a:t>
-            </a:r>
-            <a:r>
-              <a:rPr altLang="en-US" sz="2500" lang="zh-CN"/>
-              <a:t>多</a:t>
-            </a:r>
-            <a:r>
-              <a:rPr altLang="en-US" sz="2500" lang="zh-CN"/>
-              <a:t>用</a:t>
-            </a:r>
-            <a:r>
-              <a:rPr altLang="zh-CN" sz="2500" lang="en-US"/>
-              <a:t>for</a:t>
-            </a:r>
-            <a:r>
-              <a:rPr altLang="en-US" sz="2500" lang="zh-CN"/>
-              <a:t>循环</a:t>
-            </a:r>
-            <a:endParaRPr sz="2500" lang="zh-CN"/>
-          </a:p>
-          <a:p>
-            <a:r>
-              <a:rPr altLang="en-US" sz="2500" lang="zh-CN"/>
-              <a:t>处理好</a:t>
-            </a:r>
-            <a:r>
-              <a:rPr altLang="en-US" sz="2500" lang="zh-CN"/>
-              <a:t>循环</a:t>
-            </a:r>
-            <a:r>
-              <a:rPr altLang="en-US" sz="2500" lang="zh-CN"/>
-              <a:t>体</a:t>
-            </a:r>
-            <a:endParaRPr sz="2500" lang="zh-CN"/>
-          </a:p>
-          <a:p>
-            <a:r>
-              <a:rPr altLang="zh-CN" sz="2500" lang="en-US"/>
-              <a:t> </a:t>
-            </a:r>
-            <a:r>
-              <a:rPr altLang="en-US" sz="2500" lang="zh-CN"/>
-              <a:t>用</a:t>
-            </a:r>
-            <a:r>
-              <a:rPr altLang="en-US" sz="2500" lang="zh-CN"/>
-              <a:t>｛</a:t>
-            </a:r>
-            <a:r>
-              <a:rPr altLang="en-US" sz="2500" lang="zh-CN"/>
-              <a:t>｝</a:t>
-            </a:r>
-            <a:r>
-              <a:rPr altLang="en-US" sz="2500" lang="zh-CN"/>
-              <a:t>包裹</a:t>
-            </a:r>
-            <a:r>
-              <a:rPr altLang="en-US" sz="2500" lang="zh-CN"/>
-              <a:t>循环</a:t>
-            </a:r>
-            <a:r>
-              <a:rPr altLang="en-US" sz="2500" lang="zh-CN"/>
-              <a:t>体</a:t>
-            </a:r>
-            <a:endParaRPr sz="2500" lang="zh-CN"/>
-          </a:p>
-          <a:p>
-            <a:r>
-              <a:rPr altLang="zh-CN" sz="2500" lang="en-US"/>
-              <a:t> </a:t>
-            </a:r>
-            <a:r>
-              <a:rPr altLang="en-US" sz="2500" lang="zh-CN"/>
-              <a:t>避免</a:t>
-            </a:r>
-            <a:r>
-              <a:rPr altLang="en-US" sz="2500" lang="zh-CN"/>
-              <a:t>空</a:t>
-            </a:r>
-            <a:r>
-              <a:rPr altLang="en-US" sz="2500" lang="zh-CN"/>
-              <a:t>循环</a:t>
-            </a:r>
-            <a:endParaRPr sz="2500" lang="zh-CN"/>
-          </a:p>
-          <a:p>
-            <a:r>
-              <a:rPr altLang="zh-CN" sz="2500" lang="en-US"/>
-              <a:t> </a:t>
-            </a:r>
-            <a:r>
-              <a:rPr altLang="en-US" sz="2500" lang="zh-CN"/>
-              <a:t>一个</a:t>
-            </a:r>
-            <a:r>
-              <a:rPr altLang="en-US" sz="2500" lang="zh-CN"/>
-              <a:t>循环</a:t>
-            </a:r>
-            <a:r>
-              <a:rPr altLang="en-US" sz="2500" lang="zh-CN"/>
-              <a:t>只</a:t>
-            </a:r>
-            <a:r>
-              <a:rPr altLang="en-US" sz="2500" lang="zh-CN"/>
-              <a:t>做</a:t>
-            </a:r>
-            <a:r>
-              <a:rPr altLang="en-US" sz="2500" lang="zh-CN"/>
-              <a:t>一件</a:t>
-            </a:r>
-            <a:r>
-              <a:rPr altLang="en-US" sz="2500" lang="zh-CN"/>
-              <a:t>事</a:t>
-            </a:r>
-            <a:endParaRPr sz="2500" lang="zh-CN"/>
-          </a:p>
-          <a:p>
-            <a:r>
-              <a:rPr altLang="en-US" sz="2500" lang="zh-CN"/>
-              <a:t>退出</a:t>
-            </a:r>
-            <a:r>
-              <a:rPr altLang="en-US" sz="2500" lang="zh-CN"/>
-              <a:t>循环</a:t>
-            </a:r>
-            <a:endParaRPr sz="2500" lang="zh-CN"/>
-          </a:p>
-          <a:p>
-            <a:endParaRPr sz="2500" lang="zh-CN"/>
+          <a:bodyPr/>
+          <a:lstStyle/>
+          <a:p>
+            <a:r>
+              <a:rPr lang="zh-CN" altLang="en-US"/>
+              <a:t>先写正常的代码，再处理不常见情况。</a:t>
+            </a:r>
+            <a:endParaRPr lang="zh-CN"/>
+          </a:p>
+          <a:p>
+            <a:r>
+              <a:rPr lang="zh-CN" altLang="en-US"/>
+              <a:t>确保对于等量的分支是正确的</a:t>
+            </a:r>
+            <a:endParaRPr lang="zh-CN"/>
+          </a:p>
+          <a:p>
+            <a:r>
+              <a:rPr lang="zh-CN" altLang="en-US"/>
+              <a:t>考虑</a:t>
+            </a:r>
+            <a:r>
+              <a:rPr lang="en-US" altLang="zh-CN"/>
+              <a:t>else</a:t>
+            </a:r>
+            <a:r>
+              <a:rPr lang="zh-CN" altLang="en-US"/>
+              <a:t>子句</a:t>
+            </a:r>
+            <a:endParaRPr lang="zh-CN"/>
+          </a:p>
+          <a:p>
+            <a:endParaRPr lang="zh-CN"/>
           </a:p>
         </p:txBody>
       </p:sp>
@@ -4252,15 +3914,22 @@
   <p:clrMapOvr>
     <a:masterClrMapping/>
   </p:clrMapOvr>
+  <p:timing>
+    <p:tnLst>
+      <p:par>
+        <p:cTn id="1" dur="indefinite" restart="never" nodeType="tmRoot"/>
+      </p:par>
+    </p:tnLst>
+  </p:timing>
 </p:sld>
 </file>
 
-<file path=ppt/slides/slide7.xml><?xml version="1.0" encoding="utf-8"?>
+<file path=ppt/slides/slide3.xml><?xml version="1.0" encoding="utf-8"?>
 <p:sld xmlns:a="http://schemas.openxmlformats.org/drawingml/2006/main" xmlns:r="http://schemas.openxmlformats.org/officeDocument/2006/relationships" xmlns:p="http://schemas.openxmlformats.org/presentationml/2006/main">
   <p:cSld>
     <p:spTree>
       <p:nvGrpSpPr>
-        <p:cNvPr id="26" name=""/>
+        <p:cNvPr id="1" name=""/>
         <p:cNvGrpSpPr/>
         <p:nvPr/>
       </p:nvGrpSpPr>
@@ -4274,7 +3943,7 @@
       </p:grpSpPr>
       <p:sp>
         <p:nvSpPr>
-          <p:cNvPr id="1048590" name=""/>
+          <p:cNvPr id="1048603" name="标题 1048602"/>
           <p:cNvSpPr>
             <a:spLocks noGrp="1"/>
           </p:cNvSpPr>
@@ -4285,10 +3954,23 @@
         <p:spPr/>
         <p:txBody>
           <a:bodyPr/>
-          <a:p>
-            <a:r>
-              <a:rPr altLang="en-US" lang="zh-CN"/>
-              <a:t>习题</a:t>
+          <a:lstStyle/>
+          <a:p>
+            <a:r>
+              <a:rPr lang="en-US" altLang="zh-CN"/>
+              <a:t>if</a:t>
+            </a:r>
+            <a:r>
+              <a:rPr lang="zh-CN" altLang="en-US"/>
+              <a:t>…</a:t>
+            </a:r>
+            <a:r>
+              <a:rPr lang="en-US" altLang="zh-CN"/>
+              <a:t>else</a:t>
+            </a:r>
+            <a:r>
+              <a:rPr lang="zh-CN" altLang="en-US"/>
+              <a:t>语句</a:t>
             </a:r>
             <a:endParaRPr lang="zh-CN"/>
           </a:p>
@@ -4296,7 +3978,7 @@
       </p:sp>
       <p:sp>
         <p:nvSpPr>
-          <p:cNvPr id="1048591" name=""/>
+          <p:cNvPr id="1048604" name="内容占位符 1048603"/>
           <p:cNvSpPr>
             <a:spLocks noGrp="1"/>
           </p:cNvSpPr>
@@ -4306,65 +3988,26 @@
         </p:nvSpPr>
         <p:spPr/>
         <p:txBody>
-          <a:bodyPr>
-            <a:normAutofit fontScale="89286" lnSpcReduction="20000"/>
-          </a:bodyPr>
-          <a:p>
-            <a:pPr indent="0" marL="0">
-              <a:buNone/>
-            </a:pPr>
-            <a:r>
-              <a:rPr lang="zh-CN"/>
-              <a:t>（</a:t>
-            </a:r>
-            <a:r>
-              <a:rPr altLang="zh-CN" lang="en-US"/>
-              <a:t>1</a:t>
-            </a:r>
-            <a:r>
-              <a:rPr lang="zh-CN"/>
-              <a:t>）</a:t>
-            </a:r>
-            <a:r>
-              <a:rPr lang="zh-CN"/>
-              <a:t>写一个程序，打印出1 到100 间的整数。</a:t>
+          <a:bodyPr/>
+          <a:lstStyle/>
+          <a:p>
+            <a:r>
+              <a:rPr lang="zh-CN" altLang="en-US"/>
+              <a:t>用布尔函数简化复杂的检测</a:t>
             </a:r>
             <a:endParaRPr lang="zh-CN"/>
           </a:p>
           <a:p>
             <a:r>
-              <a:rPr lang="zh-CN"/>
-              <a:t>
-(2) 修改练习(1)，在值为47时用一个 break退出程序。亦可换成 return试试。</a:t>
+              <a:rPr lang="zh-CN" altLang="en-US"/>
+              <a:t>确保所有的情况都考虑到了</a:t>
             </a:r>
             <a:endParaRPr lang="zh-CN"/>
           </a:p>
           <a:p>
             <a:r>
-              <a:rPr lang="zh-CN"/>
-              <a:t>
-(3) 创建一个switch 语句，为每一种case 都显示一条消息。并将 switch置入一个 for循环里，令其尝试每</a:t>
-            </a:r>
-            <a:endParaRPr lang="zh-CN"/>
-          </a:p>
-          <a:p>
-            <a:r>
-              <a:rPr lang="zh-CN"/>
-              <a:t>
-一种case。在每个case 后面都放置一个break，并对其进行测试。然后，删除break，看看会有什么情况出</a:t>
-            </a:r>
-            <a:endParaRPr lang="zh-CN"/>
-          </a:p>
-          <a:p>
-            <a:r>
-              <a:rPr lang="zh-CN"/>
-              <a:t>
-现。</a:t>
-            </a:r>
-            <a:r>
-              <a:rPr lang="zh-CN"/>
-              <a:t>
-</a:t>
+              <a:rPr lang="zh-CN" altLang="en-US"/>
+              <a:t>如果语言支持，用其他结果替换此语句</a:t>
             </a:r>
             <a:endParaRPr lang="zh-CN"/>
           </a:p>
@@ -4375,15 +4018,22 @@
   <p:clrMapOvr>
     <a:masterClrMapping/>
   </p:clrMapOvr>
+  <p:timing>
+    <p:tnLst>
+      <p:par>
+        <p:cTn id="1" dur="indefinite" restart="never" nodeType="tmRoot"/>
+      </p:par>
+    </p:tnLst>
+  </p:timing>
 </p:sld>
 </file>
 
-<file path=ppt/slides/slide8.xml><?xml version="1.0" encoding="utf-8"?>
+<file path=ppt/slides/slide4.xml><?xml version="1.0" encoding="utf-8"?>
 <p:sld xmlns:a="http://schemas.openxmlformats.org/drawingml/2006/main" xmlns:r="http://schemas.openxmlformats.org/officeDocument/2006/relationships" xmlns:p="http://schemas.openxmlformats.org/presentationml/2006/main">
   <p:cSld>
     <p:spTree>
       <p:nvGrpSpPr>
-        <p:cNvPr id="25" name=""/>
+        <p:cNvPr id="1" name=""/>
         <p:cNvGrpSpPr/>
         <p:nvPr/>
       </p:nvGrpSpPr>
@@ -4397,7 +4047,7 @@
       </p:grpSpPr>
       <p:sp>
         <p:nvSpPr>
-          <p:cNvPr id="1048588" name=""/>
+          <p:cNvPr id="1048605" name="标题 1048604"/>
           <p:cNvSpPr>
             <a:spLocks noGrp="1"/>
           </p:cNvSpPr>
@@ -4408,10 +4058,11 @@
         <p:spPr/>
         <p:txBody>
           <a:bodyPr/>
-          <a:p>
-            <a:r>
-              <a:rPr altLang="en-US" lang="zh-CN"/>
-              <a:t>函数</a:t>
+          <a:lstStyle/>
+          <a:p>
+            <a:r>
+              <a:rPr lang="zh-CN" altLang="en-US"/>
+              <a:t>控制循环</a:t>
             </a:r>
             <a:endParaRPr lang="zh-CN"/>
           </a:p>
@@ -4419,7 +4070,7 @@
       </p:sp>
       <p:sp>
         <p:nvSpPr>
-          <p:cNvPr id="1048589" name=""/>
+          <p:cNvPr id="1048606" name="内容占位符 1048605"/>
           <p:cNvSpPr>
             <a:spLocks noGrp="1"/>
           </p:cNvSpPr>
@@ -4430,86 +4081,33 @@
         <p:spPr/>
         <p:txBody>
           <a:bodyPr/>
-          <a:p>
-            <a:r>
-              <a:rPr altLang="en-US" lang="zh-CN"/>
-              <a:t>函数</a:t>
-            </a:r>
-            <a:r>
-              <a:rPr altLang="en-US" lang="zh-CN"/>
-              <a:t>的</a:t>
-            </a:r>
-            <a:r>
-              <a:rPr altLang="en-US" lang="zh-CN"/>
-              <a:t>定义</a:t>
+          <a:lstStyle/>
+          <a:p>
+            <a:r>
+              <a:rPr lang="zh-CN" altLang="en-US"/>
+              <a:t>循环的种类</a:t>
             </a:r>
             <a:endParaRPr lang="zh-CN"/>
           </a:p>
           <a:p>
             <a:r>
-              <a:rPr altLang="en-US" lang="zh-CN"/>
-              <a:t>函数</a:t>
-            </a:r>
-            <a:r>
-              <a:rPr altLang="en-US" lang="zh-CN"/>
-              <a:t>的</a:t>
-            </a:r>
-            <a:r>
-              <a:rPr altLang="en-US" lang="zh-CN"/>
-              <a:t>参数</a:t>
-            </a:r>
-            <a:r>
-              <a:rPr altLang="en-US" lang="zh-CN"/>
-              <a:t>和</a:t>
-            </a:r>
-            <a:r>
-              <a:rPr altLang="en-US" lang="zh-CN"/>
-              <a:t>返回</a:t>
-            </a:r>
-            <a:r>
-              <a:rPr altLang="en-US" lang="zh-CN"/>
-              <a:t>值</a:t>
+              <a:rPr lang="zh-CN" altLang="en-US"/>
+              <a:t>循环的控制</a:t>
             </a:r>
             <a:endParaRPr lang="zh-CN"/>
           </a:p>
           <a:p>
             <a:r>
-              <a:rPr altLang="en-US" lang="zh-CN"/>
-              <a:t>递归</a:t>
-            </a:r>
-            <a:r>
-              <a:rPr altLang="en-US" lang="zh-CN"/>
-              <a:t>调用</a:t>
+              <a:rPr lang="zh-CN" altLang="en-US"/>
+              <a:t>循环的构建</a:t>
             </a:r>
             <a:endParaRPr lang="zh-CN"/>
           </a:p>
           <a:p>
             <a:r>
-              <a:rPr altLang="en-US" lang="zh-CN"/>
-              <a:t>局部</a:t>
-            </a:r>
-            <a:r>
-              <a:rPr altLang="en-US" lang="zh-CN"/>
-              <a:t>变量</a:t>
-            </a:r>
-            <a:r>
-              <a:rPr altLang="en-US" lang="zh-CN"/>
-              <a:t>和</a:t>
-            </a:r>
-            <a:r>
-              <a:rPr altLang="en-US" lang="zh-CN"/>
-              <a:t>全局</a:t>
-            </a:r>
-            <a:r>
-              <a:rPr altLang="en-US" lang="zh-CN"/>
-              <a:t>变量</a:t>
-            </a:r>
-            <a:endParaRPr lang="zh-CN"/>
-          </a:p>
-          <a:p>
-            <a:endParaRPr lang="zh-CN"/>
-          </a:p>
-          <a:p>
+              <a:rPr lang="zh-CN" altLang="en-US"/>
+              <a:t>循环和数组的关系</a:t>
+            </a:r>
             <a:endParaRPr lang="zh-CN"/>
           </a:p>
         </p:txBody>
@@ -4519,15 +4117,22 @@
   <p:clrMapOvr>
     <a:masterClrMapping/>
   </p:clrMapOvr>
+  <p:timing>
+    <p:tnLst>
+      <p:par>
+        <p:cTn id="1" dur="indefinite" restart="never" nodeType="tmRoot"/>
+      </p:par>
+    </p:tnLst>
+  </p:timing>
 </p:sld>
 </file>
 
-<file path=ppt/slides/slide9.xml><?xml version="1.0" encoding="utf-8"?>
+<file path=ppt/slides/slide5.xml><?xml version="1.0" encoding="utf-8"?>
 <p:sld xmlns:a="http://schemas.openxmlformats.org/drawingml/2006/main" xmlns:r="http://schemas.openxmlformats.org/officeDocument/2006/relationships" xmlns:p="http://schemas.openxmlformats.org/presentationml/2006/main">
   <p:cSld>
     <p:spTree>
       <p:nvGrpSpPr>
-        <p:cNvPr id="24" name=""/>
+        <p:cNvPr id="1" name=""/>
         <p:cNvGrpSpPr/>
         <p:nvPr/>
       </p:nvGrpSpPr>
@@ -4541,7 +4146,7 @@
       </p:grpSpPr>
       <p:sp>
         <p:nvSpPr>
-          <p:cNvPr id="1048586" name=""/>
+          <p:cNvPr id="1048607" name="标题 1048606"/>
           <p:cNvSpPr>
             <a:spLocks noGrp="1"/>
           </p:cNvSpPr>
@@ -4552,18 +4157,11 @@
         <p:spPr/>
         <p:txBody>
           <a:bodyPr/>
-          <a:p>
-            <a:r>
-              <a:rPr altLang="en-US" lang="zh-CN"/>
-              <a:t>函数</a:t>
-            </a:r>
-            <a:r>
-              <a:rPr altLang="en-US" lang="zh-CN"/>
-              <a:t>的</a:t>
-            </a:r>
-            <a:r>
-              <a:rPr altLang="en-US" lang="zh-CN"/>
-              <a:t>定义</a:t>
+          <a:lstStyle/>
+          <a:p>
+            <a:r>
+              <a:rPr lang="zh-CN" altLang="en-US"/>
+              <a:t>循环的种类</a:t>
             </a:r>
             <a:endParaRPr lang="zh-CN"/>
           </a:p>
@@ -4571,7 +4169,7 @@
       </p:sp>
       <p:sp>
         <p:nvSpPr>
-          <p:cNvPr id="1048587" name=""/>
+          <p:cNvPr id="1048608" name="内容占位符 1048607"/>
           <p:cNvSpPr>
             <a:spLocks noGrp="1"/>
           </p:cNvSpPr>
@@ -4582,37 +4180,48 @@
         <p:spPr/>
         <p:txBody>
           <a:bodyPr/>
-          <a:p>
-            <a:r>
-              <a:rPr lang="zh-CN"/>
-              <a:t>函数（Function）是一段可以重复使用的代码，这是从整体上对函数的认识。
-</a:t>
-            </a:r>
-            <a:r>
-              <a:rPr altLang="zh-CN" lang="en-US"/>
-              <a:t>as3.0</a:t>
-            </a:r>
-            <a:r>
-              <a:rPr lang="zh-CN"/>
-              <a:t>语言本身带了很多库函数，并分门别类地放在了不同的</a:t>
-            </a:r>
-            <a:r>
-              <a:rPr lang="zh-CN"/>
-              <a:t>文件中，使用时只要引入对应的</a:t>
-            </a:r>
-            <a:r>
-              <a:rPr lang="zh-CN"/>
-              <a:t>文件即可。
-除了</a:t>
-            </a:r>
-            <a:r>
-              <a:rPr altLang="zh-CN" lang="en-US"/>
-              <a:t>as3.0</a:t>
-            </a:r>
-            <a:r>
-              <a:rPr lang="zh-CN"/>
-              <a:t>语言自带的函数，我们也可以编写自己的函数，称为自定义函数（User-Defined Function）。自定义函数和库函数没有本质的区别，表现形式和使用方法一样，只是开发者不同而已。
-</a:t>
+          <a:lstStyle/>
+          <a:p>
+            <a:r>
+              <a:rPr lang="en-US" altLang="zh-CN"/>
+              <a:t>1.</a:t>
+            </a:r>
+            <a:r>
+              <a:rPr lang="zh-CN" altLang="en-US"/>
+              <a:t>计数循环</a:t>
+            </a:r>
+            <a:endParaRPr lang="zh-CN"/>
+          </a:p>
+          <a:p>
+            <a:r>
+              <a:rPr lang="en-US" altLang="zh-CN"/>
+              <a:t>2.</a:t>
+            </a:r>
+            <a:r>
+              <a:rPr lang="zh-CN" altLang="en-US"/>
+              <a:t>连续求值循环</a:t>
+            </a:r>
+            <a:endParaRPr lang="zh-CN"/>
+          </a:p>
+          <a:p>
+            <a:r>
+              <a:rPr lang="en-US" altLang="zh-CN"/>
+              <a:t>3.</a:t>
+            </a:r>
+            <a:r>
+              <a:rPr lang="zh-CN" altLang="en-US"/>
+              <a:t>无限循环</a:t>
+            </a:r>
+            <a:endParaRPr lang="zh-CN"/>
+          </a:p>
+          <a:p>
+            <a:r>
+              <a:rPr lang="en-US" altLang="zh-CN"/>
+              <a:t>4.</a:t>
+            </a:r>
+            <a:r>
+              <a:rPr lang="zh-CN" altLang="en-US"/>
+              <a:t>迭代循环</a:t>
             </a:r>
             <a:endParaRPr lang="zh-CN"/>
           </a:p>
@@ -4623,6 +4232,652 @@
   <p:clrMapOvr>
     <a:masterClrMapping/>
   </p:clrMapOvr>
+  <p:timing>
+    <p:tnLst>
+      <p:par>
+        <p:cTn id="1" dur="indefinite" restart="never" nodeType="tmRoot"/>
+      </p:par>
+    </p:tnLst>
+  </p:timing>
+</p:sld>
+</file>
+
+<file path=ppt/slides/slide6.xml><?xml version="1.0" encoding="utf-8"?>
+<p:sld xmlns:a="http://schemas.openxmlformats.org/drawingml/2006/main" xmlns:r="http://schemas.openxmlformats.org/officeDocument/2006/relationships" xmlns:p="http://schemas.openxmlformats.org/presentationml/2006/main">
+  <p:cSld>
+    <p:spTree>
+      <p:nvGrpSpPr>
+        <p:cNvPr id="1" name=""/>
+        <p:cNvGrpSpPr/>
+        <p:nvPr/>
+      </p:nvGrpSpPr>
+      <p:grpSpPr>
+        <a:xfrm>
+          <a:off x="0" y="0"/>
+          <a:ext cx="0" cy="0"/>
+          <a:chOff x="0" y="0"/>
+          <a:chExt cx="0" cy="0"/>
+        </a:xfrm>
+      </p:grpSpPr>
+      <p:sp>
+        <p:nvSpPr>
+          <p:cNvPr id="1048592" name="标题 1048591"/>
+          <p:cNvSpPr>
+            <a:spLocks noGrp="1"/>
+          </p:cNvSpPr>
+          <p:nvPr>
+            <p:ph type="title"/>
+          </p:nvPr>
+        </p:nvSpPr>
+        <p:spPr/>
+        <p:txBody>
+          <a:bodyPr/>
+          <a:lstStyle/>
+          <a:p>
+            <a:r>
+              <a:rPr lang="zh-CN" altLang="en-US"/>
+              <a:t>循环的控制</a:t>
+            </a:r>
+            <a:endParaRPr lang="zh-CN"/>
+          </a:p>
+        </p:txBody>
+      </p:sp>
+      <p:sp>
+        <p:nvSpPr>
+          <p:cNvPr id="1048593" name="内容占位符 1048592"/>
+          <p:cNvSpPr>
+            <a:spLocks noGrp="1"/>
+          </p:cNvSpPr>
+          <p:nvPr>
+            <p:ph idx="1"/>
+          </p:nvPr>
+        </p:nvSpPr>
+        <p:spPr/>
+        <p:txBody>
+          <a:bodyPr>
+            <a:normAutofit lnSpcReduction="10000"/>
+          </a:bodyPr>
+          <a:lstStyle/>
+          <a:p>
+            <a:r>
+              <a:rPr lang="zh-CN" altLang="en-US" sz="2500"/>
+              <a:t>进入循环</a:t>
+            </a:r>
+            <a:endParaRPr lang="zh-CN" sz="2500"/>
+          </a:p>
+          <a:p>
+            <a:r>
+              <a:rPr lang="en-US" altLang="zh-CN" sz="2500"/>
+              <a:t> </a:t>
+            </a:r>
+            <a:r>
+              <a:rPr lang="zh-CN" altLang="en-US" sz="2500"/>
+              <a:t>只从一个地方进入</a:t>
+            </a:r>
+            <a:endParaRPr lang="zh-CN" sz="2500"/>
+          </a:p>
+          <a:p>
+            <a:r>
+              <a:rPr lang="en-US" altLang="zh-CN" sz="2500"/>
+              <a:t> </a:t>
+            </a:r>
+            <a:r>
+              <a:rPr lang="zh-CN" altLang="en-US" sz="2500"/>
+              <a:t>初始化放在循环前</a:t>
+            </a:r>
+            <a:endParaRPr lang="zh-CN" sz="2500"/>
+          </a:p>
+          <a:p>
+            <a:r>
+              <a:rPr lang="en-US" altLang="zh-CN" sz="2500"/>
+              <a:t> while</a:t>
+            </a:r>
+            <a:r>
+              <a:rPr lang="zh-CN" altLang="en-US" sz="2500"/>
+              <a:t>（</a:t>
+            </a:r>
+            <a:r>
+              <a:rPr lang="en-US" altLang="zh-CN" sz="2500"/>
+              <a:t>true</a:t>
+            </a:r>
+            <a:r>
+              <a:rPr lang="zh-CN" altLang="en-US" sz="2500"/>
+              <a:t>）表示无限循环</a:t>
+            </a:r>
+            <a:endParaRPr lang="zh-CN" sz="2500"/>
+          </a:p>
+          <a:p>
+            <a:r>
+              <a:rPr lang="en-US" altLang="zh-CN" sz="2500"/>
+              <a:t> </a:t>
+            </a:r>
+            <a:r>
+              <a:rPr lang="zh-CN" altLang="en-US" sz="2500"/>
+              <a:t>在适当的情况下多用</a:t>
+            </a:r>
+            <a:r>
+              <a:rPr lang="en-US" altLang="zh-CN" sz="2500"/>
+              <a:t>for</a:t>
+            </a:r>
+            <a:r>
+              <a:rPr lang="zh-CN" altLang="en-US" sz="2500"/>
+              <a:t>循环</a:t>
+            </a:r>
+            <a:endParaRPr lang="zh-CN" sz="2500"/>
+          </a:p>
+          <a:p>
+            <a:r>
+              <a:rPr lang="zh-CN" altLang="en-US" sz="2500"/>
+              <a:t>处理好循环体</a:t>
+            </a:r>
+            <a:endParaRPr lang="zh-CN" sz="2500"/>
+          </a:p>
+          <a:p>
+            <a:r>
+              <a:rPr lang="en-US" altLang="zh-CN" sz="2500"/>
+              <a:t> </a:t>
+            </a:r>
+            <a:r>
+              <a:rPr lang="zh-CN" altLang="en-US" sz="2500"/>
+              <a:t>用｛｝包裹循环体</a:t>
+            </a:r>
+            <a:endParaRPr lang="zh-CN" sz="2500"/>
+          </a:p>
+          <a:p>
+            <a:r>
+              <a:rPr lang="en-US" altLang="zh-CN" sz="2500"/>
+              <a:t> </a:t>
+            </a:r>
+            <a:r>
+              <a:rPr lang="zh-CN" altLang="en-US" sz="2500"/>
+              <a:t>避免空循环</a:t>
+            </a:r>
+            <a:endParaRPr lang="zh-CN" sz="2500"/>
+          </a:p>
+          <a:p>
+            <a:r>
+              <a:rPr lang="en-US" altLang="zh-CN" sz="2500"/>
+              <a:t> </a:t>
+            </a:r>
+            <a:r>
+              <a:rPr lang="zh-CN" altLang="en-US" sz="2500"/>
+              <a:t>一个循环只做一件事</a:t>
+            </a:r>
+            <a:endParaRPr lang="zh-CN" sz="2500"/>
+          </a:p>
+          <a:p>
+            <a:r>
+              <a:rPr lang="zh-CN" altLang="en-US" sz="2500"/>
+              <a:t>退出循环</a:t>
+            </a:r>
+            <a:endParaRPr lang="zh-CN" sz="2500"/>
+          </a:p>
+          <a:p>
+            <a:endParaRPr lang="zh-CN" sz="2500"/>
+          </a:p>
+        </p:txBody>
+      </p:sp>
+    </p:spTree>
+  </p:cSld>
+  <p:clrMapOvr>
+    <a:masterClrMapping/>
+  </p:clrMapOvr>
+  <p:timing>
+    <p:tnLst>
+      <p:par>
+        <p:cTn id="1" dur="indefinite" restart="never" nodeType="tmRoot"/>
+      </p:par>
+    </p:tnLst>
+  </p:timing>
+</p:sld>
+</file>
+
+<file path=ppt/slides/slide7.xml><?xml version="1.0" encoding="utf-8"?>
+<p:sld xmlns:a="http://schemas.openxmlformats.org/drawingml/2006/main" xmlns:r="http://schemas.openxmlformats.org/officeDocument/2006/relationships" xmlns:p="http://schemas.openxmlformats.org/presentationml/2006/main">
+  <p:cSld>
+    <p:spTree>
+      <p:nvGrpSpPr>
+        <p:cNvPr id="1" name=""/>
+        <p:cNvGrpSpPr/>
+        <p:nvPr/>
+      </p:nvGrpSpPr>
+      <p:grpSpPr>
+        <a:xfrm>
+          <a:off x="0" y="0"/>
+          <a:ext cx="0" cy="0"/>
+          <a:chOff x="0" y="0"/>
+          <a:chExt cx="0" cy="0"/>
+        </a:xfrm>
+      </p:grpSpPr>
+      <p:sp>
+        <p:nvSpPr>
+          <p:cNvPr id="1048590" name="标题 1048589"/>
+          <p:cNvSpPr>
+            <a:spLocks noGrp="1"/>
+          </p:cNvSpPr>
+          <p:nvPr>
+            <p:ph type="title"/>
+          </p:nvPr>
+        </p:nvSpPr>
+        <p:spPr/>
+        <p:txBody>
+          <a:bodyPr/>
+          <a:lstStyle/>
+          <a:p>
+            <a:r>
+              <a:rPr lang="zh-CN" altLang="en-US"/>
+              <a:t>习题</a:t>
+            </a:r>
+            <a:endParaRPr lang="zh-CN"/>
+          </a:p>
+        </p:txBody>
+      </p:sp>
+      <p:sp>
+        <p:nvSpPr>
+          <p:cNvPr id="1048591" name="内容占位符 1048590"/>
+          <p:cNvSpPr>
+            <a:spLocks noGrp="1"/>
+          </p:cNvSpPr>
+          <p:nvPr>
+            <p:ph idx="1"/>
+          </p:nvPr>
+        </p:nvSpPr>
+        <p:spPr/>
+        <p:txBody>
+          <a:bodyPr>
+            <a:normAutofit fontScale="74286" lnSpcReduction="20000"/>
+          </a:bodyPr>
+          <a:lstStyle/>
+          <a:p>
+            <a:pPr marL="0" indent="0">
+              <a:buNone/>
+            </a:pPr>
+            <a:r>
+              <a:rPr lang="zh-CN"/>
+              <a:t>（</a:t>
+            </a:r>
+            <a:r>
+              <a:rPr lang="en-US" altLang="zh-CN"/>
+              <a:t>1</a:t>
+            </a:r>
+            <a:r>
+              <a:rPr lang="zh-CN"/>
+              <a:t>）写一个程序，打印出1 到100 间的整数。</a:t>
+            </a:r>
+          </a:p>
+          <a:p>
+            <a:r>
+              <a:rPr lang="zh-CN"/>
+              <a:t>
+(2) 修改练习(1)，在值为47时用一个 break退出程序。亦可换成 return试试。</a:t>
+            </a:r>
+          </a:p>
+          <a:p>
+            <a:r>
+              <a:rPr lang="zh-CN"/>
+              <a:t>
+(3) 创建一个switch 语句，为每一种case 都显示一条消息。并将 switch置入一个 for循环里，令其尝试每</a:t>
+            </a:r>
+          </a:p>
+          <a:p>
+            <a:r>
+              <a:rPr lang="zh-CN"/>
+              <a:t>
+一种case。在每个case 后面都放置一个break，并对其进行测试。然后，删除break，看看会有什么情况出</a:t>
+            </a:r>
+          </a:p>
+          <a:p>
+            <a:r>
+              <a:rPr lang="zh-CN"/>
+              <a:t>
+现。
+</a:t>
+            </a:r>
+          </a:p>
+        </p:txBody>
+      </p:sp>
+    </p:spTree>
+  </p:cSld>
+  <p:clrMapOvr>
+    <a:masterClrMapping/>
+  </p:clrMapOvr>
+  <p:timing>
+    <p:tnLst>
+      <p:par>
+        <p:cTn id="1" dur="indefinite" restart="never" nodeType="tmRoot"/>
+      </p:par>
+    </p:tnLst>
+  </p:timing>
+</p:sld>
+</file>
+
+<file path=ppt/slides/slide8.xml><?xml version="1.0" encoding="utf-8"?>
+<p:sld xmlns:a="http://schemas.openxmlformats.org/drawingml/2006/main" xmlns:r="http://schemas.openxmlformats.org/officeDocument/2006/relationships" xmlns:p="http://schemas.openxmlformats.org/presentationml/2006/main">
+  <p:cSld>
+    <p:spTree>
+      <p:nvGrpSpPr>
+        <p:cNvPr id="1" name=""/>
+        <p:cNvGrpSpPr/>
+        <p:nvPr/>
+      </p:nvGrpSpPr>
+      <p:grpSpPr>
+        <a:xfrm>
+          <a:off x="0" y="0"/>
+          <a:ext cx="0" cy="0"/>
+          <a:chOff x="0" y="0"/>
+          <a:chExt cx="0" cy="0"/>
+        </a:xfrm>
+      </p:grpSpPr>
+      <p:sp>
+        <p:nvSpPr>
+          <p:cNvPr id="1048588" name="标题 1048587"/>
+          <p:cNvSpPr>
+            <a:spLocks noGrp="1"/>
+          </p:cNvSpPr>
+          <p:nvPr>
+            <p:ph type="title"/>
+          </p:nvPr>
+        </p:nvSpPr>
+        <p:spPr/>
+        <p:txBody>
+          <a:bodyPr/>
+          <a:lstStyle/>
+          <a:p>
+            <a:r>
+              <a:rPr lang="zh-CN" altLang="en-US"/>
+              <a:t>函数</a:t>
+            </a:r>
+            <a:endParaRPr lang="zh-CN"/>
+          </a:p>
+        </p:txBody>
+      </p:sp>
+      <p:sp>
+        <p:nvSpPr>
+          <p:cNvPr id="1048589" name="内容占位符 1048588"/>
+          <p:cNvSpPr>
+            <a:spLocks noGrp="1"/>
+          </p:cNvSpPr>
+          <p:nvPr>
+            <p:ph idx="1"/>
+          </p:nvPr>
+        </p:nvSpPr>
+        <p:spPr/>
+        <p:txBody>
+          <a:bodyPr/>
+          <a:lstStyle/>
+          <a:p>
+            <a:r>
+              <a:rPr lang="zh-CN" altLang="en-US"/>
+              <a:t>函数的定义</a:t>
+            </a:r>
+            <a:endParaRPr lang="zh-CN"/>
+          </a:p>
+          <a:p>
+            <a:r>
+              <a:rPr lang="zh-CN" altLang="en-US"/>
+              <a:t>函数的参数和返回值</a:t>
+            </a:r>
+            <a:endParaRPr lang="zh-CN"/>
+          </a:p>
+          <a:p>
+            <a:r>
+              <a:rPr lang="zh-CN" altLang="en-US"/>
+              <a:t>递归调用</a:t>
+            </a:r>
+            <a:endParaRPr lang="zh-CN"/>
+          </a:p>
+          <a:p>
+            <a:r>
+              <a:rPr lang="zh-CN" altLang="en-US"/>
+              <a:t>局部变量和全局变量</a:t>
+            </a:r>
+            <a:endParaRPr lang="zh-CN"/>
+          </a:p>
+          <a:p>
+            <a:endParaRPr lang="zh-CN"/>
+          </a:p>
+          <a:p>
+            <a:endParaRPr lang="zh-CN"/>
+          </a:p>
+        </p:txBody>
+      </p:sp>
+    </p:spTree>
+  </p:cSld>
+  <p:clrMapOvr>
+    <a:masterClrMapping/>
+  </p:clrMapOvr>
+  <p:timing>
+    <p:tnLst>
+      <p:par>
+        <p:cTn id="1" dur="indefinite" restart="never" nodeType="tmRoot"/>
+      </p:par>
+    </p:tnLst>
+  </p:timing>
+</p:sld>
+</file>
+
+<file path=ppt/slides/slide9.xml><?xml version="1.0" encoding="utf-8"?>
+<p:sld xmlns:a="http://schemas.openxmlformats.org/drawingml/2006/main" xmlns:r="http://schemas.openxmlformats.org/officeDocument/2006/relationships" xmlns:p="http://schemas.openxmlformats.org/presentationml/2006/main">
+  <p:cSld>
+    <p:spTree>
+      <p:nvGrpSpPr>
+        <p:cNvPr id="1" name=""/>
+        <p:cNvGrpSpPr/>
+        <p:nvPr/>
+      </p:nvGrpSpPr>
+      <p:grpSpPr>
+        <a:xfrm>
+          <a:off x="0" y="0"/>
+          <a:ext cx="0" cy="0"/>
+          <a:chOff x="0" y="0"/>
+          <a:chExt cx="0" cy="0"/>
+        </a:xfrm>
+      </p:grpSpPr>
+      <p:sp>
+        <p:nvSpPr>
+          <p:cNvPr id="1048586" name="标题 1048585"/>
+          <p:cNvSpPr>
+            <a:spLocks noGrp="1"/>
+          </p:cNvSpPr>
+          <p:nvPr>
+            <p:ph type="title"/>
+          </p:nvPr>
+        </p:nvSpPr>
+        <p:spPr/>
+        <p:txBody>
+          <a:bodyPr/>
+          <a:lstStyle/>
+          <a:p>
+            <a:r>
+              <a:rPr lang="zh-CN" altLang="en-US"/>
+              <a:t>函数的定义</a:t>
+            </a:r>
+            <a:endParaRPr lang="zh-CN"/>
+          </a:p>
+        </p:txBody>
+      </p:sp>
+      <p:sp>
+        <p:nvSpPr>
+          <p:cNvPr id="1048587" name="内容占位符 1048586"/>
+          <p:cNvSpPr>
+            <a:spLocks noGrp="1"/>
+          </p:cNvSpPr>
+          <p:nvPr>
+            <p:ph idx="1"/>
+          </p:nvPr>
+        </p:nvSpPr>
+        <p:spPr>
+          <a:xfrm>
+            <a:off x="628650" y="1825624"/>
+            <a:ext cx="7886700" cy="4608629"/>
+          </a:xfrm>
+        </p:spPr>
+        <p:txBody>
+          <a:bodyPr>
+            <a:normAutofit lnSpcReduction="10000"/>
+          </a:bodyPr>
+          <a:lstStyle/>
+          <a:p>
+            <a:pPr>
+              <a:buNone/>
+            </a:pPr>
+            <a:r>
+              <a:rPr lang="zh-CN" dirty="0"/>
+              <a:t>函数（Function）是一段可以重复使用的代码，这是从整体上对函数的认识</a:t>
+            </a:r>
+            <a:r>
+              <a:rPr lang="zh-CN" dirty="0" smtClean="0"/>
+              <a:t>。</a:t>
+            </a:r>
+            <a:endParaRPr lang="en-US" altLang="zh-CN" dirty="0" smtClean="0"/>
+          </a:p>
+          <a:p>
+            <a:pPr>
+              <a:buNone/>
+            </a:pPr>
+            <a:r>
+              <a:rPr lang="zh-CN" dirty="0"/>
+              <a:t>
+</a:t>
+            </a:r>
+            <a:r>
+              <a:rPr lang="zh-CN" altLang="en-US" dirty="0" smtClean="0"/>
+              <a:t> </a:t>
+            </a:r>
+            <a:r>
+              <a:rPr lang="en-US" altLang="zh-CN" dirty="0" err="1" smtClean="0"/>
+              <a:t>functionName</a:t>
+            </a:r>
+            <a:r>
+              <a:rPr lang="en-US" altLang="zh-CN" dirty="0" smtClean="0"/>
+              <a:t>(</a:t>
+            </a:r>
+            <a:r>
+              <a:rPr lang="zh-CN" altLang="en-US" dirty="0" smtClean="0"/>
+              <a:t>参数：参数类型</a:t>
+            </a:r>
+            <a:r>
+              <a:rPr lang="en-US" altLang="zh-CN" dirty="0" smtClean="0"/>
+              <a:t>,…):</a:t>
+            </a:r>
+            <a:r>
+              <a:rPr lang="zh-CN" altLang="en-US" dirty="0" smtClean="0"/>
+              <a:t>返回值</a:t>
+            </a:r>
+            <a:r>
+              <a:rPr lang="en-US" altLang="zh-CN" dirty="0" smtClean="0"/>
+              <a:t>{</a:t>
+            </a:r>
+          </a:p>
+          <a:p>
+            <a:pPr lvl="1">
+              <a:buNone/>
+            </a:pPr>
+            <a:r>
+              <a:rPr lang="en-US" altLang="zh-CN" dirty="0" smtClean="0"/>
+              <a:t>Return </a:t>
+            </a:r>
+            <a:r>
+              <a:rPr lang="zh-CN" altLang="en-US" dirty="0" smtClean="0"/>
+              <a:t>返回值</a:t>
+            </a:r>
+            <a:endParaRPr lang="en-US" altLang="zh-CN" dirty="0" smtClean="0"/>
+          </a:p>
+          <a:p>
+            <a:pPr>
+              <a:buNone/>
+            </a:pPr>
+            <a:r>
+              <a:rPr lang="en-US" altLang="zh-CN" dirty="0" smtClean="0"/>
+              <a:t>}</a:t>
+            </a:r>
+          </a:p>
+          <a:p>
+            <a:pPr>
+              <a:buNone/>
+            </a:pPr>
+            <a:r>
+              <a:rPr lang="zh-CN" altLang="en-US" dirty="0" smtClean="0"/>
+              <a:t>如：</a:t>
+            </a:r>
+            <a:endParaRPr lang="en-US" altLang="zh-CN" dirty="0" smtClean="0"/>
+          </a:p>
+          <a:p>
+            <a:pPr>
+              <a:buNone/>
+            </a:pPr>
+            <a:r>
+              <a:rPr lang="en-US" altLang="zh-CN" dirty="0" smtClean="0"/>
+              <a:t>	public function </a:t>
+            </a:r>
+            <a:r>
+              <a:rPr lang="en-US" altLang="zh-CN" dirty="0" err="1" smtClean="0"/>
+              <a:t>testSwtich</a:t>
+            </a:r>
+            <a:r>
+              <a:rPr lang="en-US" altLang="zh-CN" dirty="0" smtClean="0"/>
+              <a:t>(</a:t>
+            </a:r>
+            <a:r>
+              <a:rPr lang="en-US" altLang="zh-CN" dirty="0" err="1" smtClean="0"/>
+              <a:t>num:int</a:t>
+            </a:r>
+            <a:r>
+              <a:rPr lang="en-US" altLang="zh-CN" dirty="0" smtClean="0"/>
+              <a:t>)</a:t>
+            </a:r>
+            <a:r>
+              <a:rPr lang="zh-CN" altLang="en-US" dirty="0" smtClean="0"/>
+              <a:t>：</a:t>
+            </a:r>
+            <a:r>
+              <a:rPr lang="en-US" altLang="zh-CN" dirty="0" smtClean="0"/>
+              <a:t>Boolean{</a:t>
+            </a:r>
+            <a:endParaRPr lang="en-US" altLang="zh-CN" dirty="0" smtClean="0"/>
+          </a:p>
+          <a:p>
+            <a:pPr>
+              <a:buNone/>
+            </a:pPr>
+            <a:r>
+              <a:rPr lang="en-US" altLang="zh-CN" dirty="0" smtClean="0"/>
+              <a:t>		</a:t>
+            </a:r>
+            <a:r>
+              <a:rPr lang="en-US" altLang="zh-CN" dirty="0" smtClean="0"/>
+              <a:t>return true;</a:t>
+            </a:r>
+            <a:endParaRPr lang="en-US" altLang="zh-CN" dirty="0" smtClean="0"/>
+          </a:p>
+          <a:p>
+            <a:pPr>
+              <a:buNone/>
+            </a:pPr>
+            <a:r>
+              <a:rPr lang="en-US" altLang="zh-CN" dirty="0" smtClean="0"/>
+              <a:t>	</a:t>
+            </a:r>
+            <a:r>
+              <a:rPr lang="en-US" altLang="zh-CN" dirty="0" smtClean="0"/>
+              <a:t>}</a:t>
+            </a:r>
+            <a:endParaRPr lang="zh-CN" dirty="0"/>
+          </a:p>
+        </p:txBody>
+      </p:sp>
+    </p:spTree>
+  </p:cSld>
+  <p:clrMapOvr>
+    <a:masterClrMapping/>
+  </p:clrMapOvr>
+  <p:timing>
+    <p:tnLst>
+      <p:par>
+        <p:cTn id="1" dur="indefinite" restart="never" nodeType="tmRoot"/>
+      </p:par>
+    </p:tnLst>
+  </p:timing>
 </p:sld>
 </file>
 
@@ -4631,10 +4886,10 @@
   <a:themeElements>
     <a:clrScheme name="Office 主题">
       <a:dk1>
-        <a:sysClr lastClr="000000" val="windowText"/>
+        <a:sysClr val="windowText" lastClr="000000"/>
       </a:dk1>
       <a:lt1>
-        <a:sysClr lastClr="FFFFFF" val="window"/>
+        <a:sysClr val="window" lastClr="FFFFFF"/>
       </a:lt1>
       <a:dk2>
         <a:srgbClr val="44546A"/>
@@ -4669,7 +4924,7 @@
     </a:clrScheme>
     <a:fontScheme name="Office 主题">
       <a:majorFont>
-        <a:latin typeface="Calibri Light" panose="020F0302020204030204"/>
+        <a:latin typeface="Calibri Light"/>
         <a:ea typeface=""/>
         <a:cs typeface=""/>
         <a:font script="Jpan" typeface="ＭＳ Ｐゴシック"/>
@@ -4704,7 +4959,7 @@
         <a:font script="Geor" typeface="Sylfaen"/>
       </a:majorFont>
       <a:minorFont>
-        <a:latin typeface="Calibri" panose="020F0502020204030204"/>
+        <a:latin typeface="Calibri"/>
         <a:ea typeface=""/>
         <a:cs typeface=""/>
         <a:font script="Jpan" typeface="ＭＳ Ｐゴシック"/>
@@ -4829,7 +5084,7 @@
         </a:effectStyle>
         <a:effectStyle>
           <a:effectLst>
-            <a:outerShdw algn="ctr" blurRad="57150" dir="5400000" dist="19050" rotWithShape="0">
+            <a:outerShdw blurRad="57150" dist="19050" dir="5400000" algn="ctr" rotWithShape="0">
               <a:srgbClr val="000000">
                 <a:alpha val="63000"/>
               </a:srgbClr>
@@ -4877,6 +5132,8 @@
       </a:bgFillStyleLst>
     </a:fmtScheme>
   </a:themeElements>
+  <a:objectDefaults/>
+  <a:extraClrSchemeLst/>
 </a:theme>
 </file>
 
@@ -4885,10 +5142,10 @@
   <a:themeElements>
     <a:clrScheme name="Office">
       <a:dk1>
-        <a:sysClr lastClr="000000" val="windowText"/>
+        <a:sysClr val="windowText" lastClr="000000"/>
       </a:dk1>
       <a:lt1>
-        <a:sysClr lastClr="FFFFFF" val="window"/>
+        <a:sysClr val="window" lastClr="FFFFFF"/>
       </a:lt1>
       <a:dk2>
         <a:srgbClr val="44546A"/>
@@ -4923,7 +5180,7 @@
     </a:clrScheme>
     <a:fontScheme name="Office">
       <a:majorFont>
-        <a:latin typeface="Calibri Light" panose="020F0302020204030204"/>
+        <a:latin typeface="Calibri Light"/>
         <a:ea typeface=""/>
         <a:cs typeface=""/>
         <a:font script="Jpan" typeface="ＭＳ Ｐゴシック"/>
@@ -4958,7 +5215,7 @@
         <a:font script="Geor" typeface="Sylfaen"/>
       </a:majorFont>
       <a:minorFont>
-        <a:latin typeface="Calibri" panose="020F0502020204030204"/>
+        <a:latin typeface="Calibri"/>
         <a:ea typeface=""/>
         <a:cs typeface=""/>
         <a:font script="Jpan" typeface="ＭＳ Ｐゴシック"/>
@@ -5083,7 +5340,7 @@
         </a:effectStyle>
         <a:effectStyle>
           <a:effectLst>
-            <a:outerShdw algn="ctr" blurRad="57150" dir="5400000" dist="19050" rotWithShape="0">
+            <a:outerShdw blurRad="57150" dist="19050" dir="5400000" algn="ctr" rotWithShape="0">
               <a:srgbClr val="000000">
                 <a:alpha val="63000"/>
               </a:srgbClr>
@@ -5131,5 +5388,7 @@
       </a:bgFillStyleLst>
     </a:fmtScheme>
   </a:themeElements>
+  <a:objectDefaults/>
+  <a:extraClrSchemeLst/>
 </a:theme>
 </file>
--- a/flash1.pptx
+++ b/flash1.pptx
@@ -3498,19 +3498,11 @@
           <a:p>
             <a:r>
               <a:rPr lang="en-US" altLang="zh-CN" dirty="0" smtClean="0"/>
-              <a:t>as3</a:t>
-            </a:r>
-            <a:r>
-              <a:rPr lang="en-US" altLang="zh-CN" dirty="0" smtClean="0"/>
-              <a:t>.0</a:t>
+              <a:t>as3.0</a:t>
             </a:r>
             <a:r>
               <a:rPr lang="zh-CN" altLang="zh-CN" dirty="0" smtClean="0"/>
-              <a:t>语言本身带了很多库函数，并分门别类地放在了不同的文件中，使用时只要引入对应的文件即可</a:t>
-            </a:r>
-            <a:r>
-              <a:rPr lang="zh-CN" altLang="zh-CN" dirty="0" smtClean="0"/>
-              <a:t>。</a:t>
+              <a:t>语言本身带了很多库函数，并分门别类地放在了不同的文件中，使用时只要引入对应的文件即可。</a:t>
             </a:r>
             <a:endParaRPr lang="en-US" altLang="zh-CN" dirty="0" smtClean="0"/>
           </a:p>
@@ -3518,11 +3510,7 @@
             <a:r>
               <a:rPr lang="zh-CN" altLang="zh-CN" dirty="0" smtClean="0"/>
               <a:t>
-</a:t>
-            </a:r>
-            <a:r>
-              <a:rPr lang="zh-CN" altLang="zh-CN" dirty="0" smtClean="0"/>
-              <a:t>除了</a:t>
+除了</a:t>
             </a:r>
             <a:r>
               <a:rPr lang="en-US" altLang="zh-CN" dirty="0" smtClean="0"/>
@@ -3691,11 +3679,7 @@
           <a:p>
             <a:r>
               <a:rPr lang="zh-CN" altLang="en-US" dirty="0" smtClean="0"/>
-              <a:t>冒泡排序</a:t>
-            </a:r>
-            <a:r>
-              <a:rPr lang="zh-CN" altLang="en-US" dirty="0" smtClean="0"/>
-              <a:t>算法的运作如下：</a:t>
+              <a:t>冒泡排序算法的运作如下：</a:t>
             </a:r>
           </a:p>
           <a:p>
@@ -4493,42 +4477,42 @@
               <a:buNone/>
             </a:pPr>
             <a:r>
-              <a:rPr lang="zh-CN"/>
+              <a:rPr lang="zh-CN" dirty="0"/>
               <a:t>（</a:t>
             </a:r>
             <a:r>
-              <a:rPr lang="en-US" altLang="zh-CN"/>
+              <a:rPr lang="en-US" altLang="zh-CN" dirty="0"/>
               <a:t>1</a:t>
             </a:r>
             <a:r>
-              <a:rPr lang="zh-CN"/>
+              <a:rPr lang="zh-CN" dirty="0"/>
               <a:t>）写一个程序，打印出1 到100 间的整数。</a:t>
             </a:r>
           </a:p>
           <a:p>
             <a:r>
-              <a:rPr lang="zh-CN"/>
+              <a:rPr lang="zh-CN" dirty="0"/>
               <a:t>
 (2) 修改练习(1)，在值为47时用一个 break退出程序。亦可换成 return试试。</a:t>
             </a:r>
           </a:p>
           <a:p>
             <a:r>
-              <a:rPr lang="zh-CN"/>
+              <a:rPr lang="zh-CN" dirty="0"/>
               <a:t>
 (3) 创建一个switch 语句，为每一种case 都显示一条消息。并将 switch置入一个 for循环里，令其尝试每</a:t>
             </a:r>
           </a:p>
           <a:p>
             <a:r>
-              <a:rPr lang="zh-CN"/>
+              <a:rPr lang="zh-CN" dirty="0"/>
               <a:t>
 一种case。在每个case 后面都放置一个break，并对其进行测试。然后，删除break，看看会有什么情况出</a:t>
             </a:r>
           </a:p>
           <a:p>
             <a:r>
-              <a:rPr lang="zh-CN"/>
+              <a:rPr lang="zh-CN" dirty="0"/>
               <a:t>
 现。
 </a:t>
@@ -4607,37 +4591,34 @@
           <a:lstStyle/>
           <a:p>
             <a:r>
-              <a:rPr lang="zh-CN" altLang="en-US"/>
+              <a:rPr lang="zh-CN" altLang="en-US" dirty="0"/>
               <a:t>函数的定义</a:t>
             </a:r>
-            <a:endParaRPr lang="zh-CN"/>
-          </a:p>
-          <a:p>
-            <a:r>
-              <a:rPr lang="zh-CN" altLang="en-US"/>
-              <a:t>函数的参数和返回值</a:t>
-            </a:r>
-            <a:endParaRPr lang="zh-CN"/>
-          </a:p>
-          <a:p>
-            <a:r>
-              <a:rPr lang="zh-CN" altLang="en-US"/>
-              <a:t>递归调用</a:t>
-            </a:r>
-            <a:endParaRPr lang="zh-CN"/>
-          </a:p>
-          <a:p>
-            <a:r>
-              <a:rPr lang="zh-CN" altLang="en-US"/>
+            <a:endParaRPr lang="zh-CN" dirty="0"/>
+          </a:p>
+          <a:p>
+            <a:r>
+              <a:rPr lang="zh-CN" altLang="en-US" dirty="0"/>
+              <a:t>函数的参数和返回</a:t>
+            </a:r>
+            <a:r>
+              <a:rPr lang="zh-CN" altLang="en-US" dirty="0" smtClean="0"/>
+              <a:t>值</a:t>
+            </a:r>
+            <a:endParaRPr lang="zh-CN" dirty="0"/>
+          </a:p>
+          <a:p>
+            <a:r>
+              <a:rPr lang="zh-CN" altLang="en-US" dirty="0"/>
               <a:t>局部变量和全局变量</a:t>
             </a:r>
-            <a:endParaRPr lang="zh-CN"/>
-          </a:p>
-          <a:p>
-            <a:endParaRPr lang="zh-CN"/>
-          </a:p>
-          <a:p>
-            <a:endParaRPr lang="zh-CN"/>
+            <a:endParaRPr lang="zh-CN" dirty="0"/>
+          </a:p>
+          <a:p>
+            <a:endParaRPr lang="zh-CN" dirty="0"/>
+          </a:p>
+          <a:p>
+            <a:endParaRPr lang="zh-CN" dirty="0"/>
           </a:p>
         </p:txBody>
       </p:sp>
@@ -4754,7 +4735,19 @@
             </a:r>
             <a:r>
               <a:rPr lang="zh-CN" altLang="en-US" dirty="0" smtClean="0"/>
-              <a:t>参数：参数类型</a:t>
+              <a:t>参数</a:t>
+            </a:r>
+            <a:r>
+              <a:rPr lang="zh-CN" altLang="en-US" dirty="0" smtClean="0"/>
+              <a:t>： </a:t>
+            </a:r>
+            <a:r>
+              <a:rPr lang="en-US" altLang="zh-CN" dirty="0" smtClean="0"/>
+              <a:t>	</a:t>
+            </a:r>
+            <a:r>
+              <a:rPr lang="zh-CN" altLang="en-US" dirty="0" smtClean="0"/>
+              <a:t>类型</a:t>
             </a:r>
             <a:r>
               <a:rPr lang="en-US" altLang="zh-CN" dirty="0" smtClean="0"/>
@@ -4834,7 +4827,6 @@
               <a:rPr lang="en-US" altLang="zh-CN" dirty="0" smtClean="0"/>
               <a:t>Boolean{</a:t>
             </a:r>
-            <a:endParaRPr lang="en-US" altLang="zh-CN" dirty="0" smtClean="0"/>
           </a:p>
           <a:p>
             <a:pPr>
@@ -4842,25 +4834,16 @@
             </a:pPr>
             <a:r>
               <a:rPr lang="en-US" altLang="zh-CN" dirty="0" smtClean="0"/>
-              <a:t>		</a:t>
-            </a:r>
+              <a:t>		return true;</a:t>
+            </a:r>
+          </a:p>
+          <a:p>
+            <a:pPr>
+              <a:buNone/>
+            </a:pPr>
             <a:r>
               <a:rPr lang="en-US" altLang="zh-CN" dirty="0" smtClean="0"/>
-              <a:t>return true;</a:t>
-            </a:r>
-            <a:endParaRPr lang="en-US" altLang="zh-CN" dirty="0" smtClean="0"/>
-          </a:p>
-          <a:p>
-            <a:pPr>
-              <a:buNone/>
-            </a:pPr>
-            <a:r>
-              <a:rPr lang="en-US" altLang="zh-CN" dirty="0" smtClean="0"/>
-              <a:t>	</a:t>
-            </a:r>
-            <a:r>
-              <a:rPr lang="en-US" altLang="zh-CN" dirty="0" smtClean="0"/>
-              <a:t>}</a:t>
+              <a:t>	}</a:t>
             </a:r>
             <a:endParaRPr lang="zh-CN" dirty="0"/>
           </a:p>
